--- a/Presentación técnica/Presentacion Tarea 3.pptx
+++ b/Presentación técnica/Presentacion Tarea 3.pptx
@@ -6,25 +6,29 @@
   </p:sldMasterIdLst>
   <p:sldIdLst>
     <p:sldId id="256" r:id="rId2"/>
-    <p:sldId id="257" r:id="rId3"/>
-    <p:sldId id="258" r:id="rId4"/>
-    <p:sldId id="259" r:id="rId5"/>
-    <p:sldId id="260" r:id="rId6"/>
-    <p:sldId id="261" r:id="rId7"/>
-    <p:sldId id="262" r:id="rId8"/>
-    <p:sldId id="263" r:id="rId9"/>
-    <p:sldId id="264" r:id="rId10"/>
-    <p:sldId id="265" r:id="rId11"/>
-    <p:sldId id="266" r:id="rId12"/>
-    <p:sldId id="267" r:id="rId13"/>
-    <p:sldId id="268" r:id="rId14"/>
-    <p:sldId id="269" r:id="rId15"/>
-    <p:sldId id="270" r:id="rId16"/>
-    <p:sldId id="271" r:id="rId17"/>
-    <p:sldId id="272" r:id="rId18"/>
-    <p:sldId id="273" r:id="rId19"/>
-    <p:sldId id="275" r:id="rId20"/>
-    <p:sldId id="274" r:id="rId21"/>
+    <p:sldId id="276" r:id="rId3"/>
+    <p:sldId id="257" r:id="rId4"/>
+    <p:sldId id="277" r:id="rId5"/>
+    <p:sldId id="278" r:id="rId6"/>
+    <p:sldId id="279" r:id="rId7"/>
+    <p:sldId id="258" r:id="rId8"/>
+    <p:sldId id="259" r:id="rId9"/>
+    <p:sldId id="260" r:id="rId10"/>
+    <p:sldId id="261" r:id="rId11"/>
+    <p:sldId id="262" r:id="rId12"/>
+    <p:sldId id="263" r:id="rId13"/>
+    <p:sldId id="264" r:id="rId14"/>
+    <p:sldId id="265" r:id="rId15"/>
+    <p:sldId id="266" r:id="rId16"/>
+    <p:sldId id="267" r:id="rId17"/>
+    <p:sldId id="268" r:id="rId18"/>
+    <p:sldId id="269" r:id="rId19"/>
+    <p:sldId id="270" r:id="rId20"/>
+    <p:sldId id="271" r:id="rId21"/>
+    <p:sldId id="272" r:id="rId22"/>
+    <p:sldId id="273" r:id="rId23"/>
+    <p:sldId id="275" r:id="rId24"/>
+    <p:sldId id="274" r:id="rId25"/>
   </p:sldIdLst>
   <p:sldSz cx="12192000" cy="6858000"/>
   <p:notesSz cx="6858000" cy="9144000"/>
@@ -129,7 +133,11 @@
         <p14:section name="Default Section" id="{1F63A7D5-BDC8-4998-97E1-4EA83F8522C8}">
           <p14:sldIdLst>
             <p14:sldId id="256"/>
+            <p14:sldId id="276"/>
             <p14:sldId id="257"/>
+            <p14:sldId id="277"/>
+            <p14:sldId id="278"/>
+            <p14:sldId id="279"/>
             <p14:sldId id="258"/>
             <p14:sldId id="259"/>
             <p14:sldId id="260"/>
@@ -151,6 +159,9 @@
           </p14:sldIdLst>
         </p14:section>
       </p14:sectionLst>
+    </p:ext>
+    <p:ext uri="{EFAFB233-063F-42B5-8137-9DF3F51BA10A}">
+      <p15:sldGuideLst xmlns:p15="http://schemas.microsoft.com/office/powerpoint/2012/main"/>
     </p:ext>
   </p:extLst>
 </p:presentation>
@@ -3447,6 +3458,851 @@
           <p:cNvPr id="2" name="Title 1">
             <a:extLst>
               <a:ext uri="{FF2B5EF4-FFF2-40B4-BE49-F238E27FC236}">
+                <a16:creationId xmlns:a16="http://schemas.microsoft.com/office/drawing/2014/main" id="{101697C3-7ABD-54D8-30E6-336E048EB207}"/>
+              </a:ext>
+            </a:extLst>
+          </p:cNvPr>
+          <p:cNvSpPr>
+            <a:spLocks noGrp="1"/>
+          </p:cNvSpPr>
+          <p:nvPr>
+            <p:ph type="title"/>
+          </p:nvPr>
+        </p:nvSpPr>
+        <p:spPr>
+          <a:xfrm>
+            <a:off x="2231136" y="405892"/>
+            <a:ext cx="7729728" cy="1188720"/>
+          </a:xfrm>
+        </p:spPr>
+        <p:txBody>
+          <a:bodyPr/>
+          <a:lstStyle/>
+          <a:p>
+            <a:r>
+              <a:rPr lang="es-ES" dirty="0"/>
+              <a:t>Análisis Exploratorio (EDA)</a:t>
+            </a:r>
+          </a:p>
+        </p:txBody>
+      </p:sp>
+      <p:pic>
+        <p:nvPicPr>
+          <p:cNvPr id="5" name="Content Placeholder 4">
+            <a:extLst>
+              <a:ext uri="{FF2B5EF4-FFF2-40B4-BE49-F238E27FC236}">
+                <a16:creationId xmlns:a16="http://schemas.microsoft.com/office/drawing/2014/main" id="{627A26B5-FB4D-304D-0E25-93A4FD63E6D1}"/>
+              </a:ext>
+            </a:extLst>
+          </p:cNvPr>
+          <p:cNvPicPr>
+            <a:picLocks noGrp="1" noChangeAspect="1"/>
+          </p:cNvPicPr>
+          <p:nvPr>
+            <p:ph idx="1"/>
+          </p:nvPr>
+        </p:nvPicPr>
+        <p:blipFill>
+          <a:blip r:embed="rId2">
+            <a:extLst>
+              <a:ext uri="{28A0092B-C50C-407E-A947-70E740481C1C}">
+                <a14:useLocalDpi xmlns:a14="http://schemas.microsoft.com/office/drawing/2010/main" val="0"/>
+              </a:ext>
+            </a:extLst>
+          </a:blip>
+          <a:stretch>
+            <a:fillRect/>
+          </a:stretch>
+        </p:blipFill>
+        <p:spPr>
+          <a:xfrm>
+            <a:off x="330200" y="1759493"/>
+            <a:ext cx="5765800" cy="4324351"/>
+          </a:xfrm>
+        </p:spPr>
+      </p:pic>
+      <p:sp>
+        <p:nvSpPr>
+          <p:cNvPr id="7" name="TextBox 6">
+            <a:extLst>
+              <a:ext uri="{FF2B5EF4-FFF2-40B4-BE49-F238E27FC236}">
+                <a16:creationId xmlns:a16="http://schemas.microsoft.com/office/drawing/2014/main" id="{65B9FD0F-B713-1387-2DD6-42C7C93C9D6D}"/>
+              </a:ext>
+            </a:extLst>
+          </p:cNvPr>
+          <p:cNvSpPr txBox="1"/>
+          <p:nvPr/>
+        </p:nvSpPr>
+        <p:spPr>
+          <a:xfrm>
+            <a:off x="6096000" y="2096291"/>
+            <a:ext cx="5207000" cy="3231654"/>
+          </a:xfrm>
+          <a:prstGeom prst="rect">
+            <a:avLst/>
+          </a:prstGeom>
+          <a:noFill/>
+        </p:spPr>
+        <p:txBody>
+          <a:bodyPr wrap="square">
+            <a:spAutoFit/>
+          </a:bodyPr>
+          <a:lstStyle/>
+          <a:p>
+            <a:pPr algn="l">
+              <a:buNone/>
+            </a:pPr>
+            <a:r>
+              <a:rPr lang="es-ES" sz="1200" b="0" i="0" dirty="0">
+                <a:effectLst/>
+                <a:latin typeface="system-ui"/>
+              </a:rPr>
+              <a:t>Este gráfico muestra una versión refinada de la matriz de correlación, en la que solo se incluyen las correlaciones con una magnitud igual o superior a 0.25. Además, se han agregado indicadores visuales (★) para destacar la intensidad de cada correlación:</a:t>
+            </a:r>
+          </a:p>
+          <a:p>
+            <a:pPr algn="l">
+              <a:buFont typeface="Arial" panose="020B0604020202020204" pitchFamily="34" charset="0"/>
+              <a:buChar char="•"/>
+            </a:pPr>
+            <a:r>
+              <a:rPr lang="es-ES" sz="1200" b="0" i="0" dirty="0">
+                <a:effectLst/>
+                <a:latin typeface="system-ui"/>
+              </a:rPr>
+              <a:t>⭐ para correlaciones con valor absoluto mayor a 0.40</a:t>
+            </a:r>
+          </a:p>
+          <a:p>
+            <a:pPr algn="l">
+              <a:buFont typeface="Arial" panose="020B0604020202020204" pitchFamily="34" charset="0"/>
+              <a:buChar char="•"/>
+            </a:pPr>
+            <a:r>
+              <a:rPr lang="es-ES" sz="1200" b="0" i="0" dirty="0">
+                <a:effectLst/>
+                <a:latin typeface="system-ui"/>
+              </a:rPr>
+              <a:t>⭐⭐ para correlaciones mayores a 0.75</a:t>
+            </a:r>
+          </a:p>
+          <a:p>
+            <a:pPr algn="l">
+              <a:buFont typeface="Arial" panose="020B0604020202020204" pitchFamily="34" charset="0"/>
+              <a:buChar char="•"/>
+            </a:pPr>
+            <a:r>
+              <a:rPr lang="es-ES" sz="1200" b="0" i="0" dirty="0">
+                <a:effectLst/>
+                <a:latin typeface="system-ui"/>
+              </a:rPr>
+              <a:t>⭐⭐⭐ para correlaciones muy altas, mayores a 0.90</a:t>
+            </a:r>
+          </a:p>
+          <a:p>
+            <a:pPr algn="l">
+              <a:buNone/>
+            </a:pPr>
+            <a:r>
+              <a:rPr lang="es-ES" sz="1200" b="0" i="0" dirty="0">
+                <a:effectLst/>
+                <a:latin typeface="system-ui"/>
+              </a:rPr>
+              <a:t>El objetivo de este enfoque es enfocar el análisis en las relaciones más significativas, eliminando valores irrelevantes que podrían dificultar la interpretación.</a:t>
+            </a:r>
+          </a:p>
+          <a:p>
+            <a:pPr algn="l">
+              <a:buNone/>
+            </a:pPr>
+            <a:r>
+              <a:rPr lang="es-ES" sz="1200" b="0" i="0" dirty="0">
+                <a:effectLst/>
+                <a:latin typeface="system-ui"/>
+              </a:rPr>
+              <a:t>También se eliminaron filas y columnas sin valores relevantes para mejorar la claridad del gráfico.</a:t>
+            </a:r>
+          </a:p>
+          <a:p>
+            <a:pPr algn="l">
+              <a:buNone/>
+            </a:pPr>
+            <a:r>
+              <a:rPr lang="es-ES" sz="1200" b="0" i="0" dirty="0">
+                <a:effectLst/>
+                <a:latin typeface="system-ui"/>
+              </a:rPr>
+              <a:t>Este tipo de visualización es ideal cuando se quiere:</a:t>
+            </a:r>
+          </a:p>
+          <a:p>
+            <a:pPr algn="l">
+              <a:buFont typeface="Arial" panose="020B0604020202020204" pitchFamily="34" charset="0"/>
+              <a:buChar char="•"/>
+            </a:pPr>
+            <a:r>
+              <a:rPr lang="es-ES" sz="1200" b="0" i="0" dirty="0">
+                <a:effectLst/>
+                <a:latin typeface="system-ui"/>
+              </a:rPr>
+              <a:t>Identificar variables altamente relacionadas que podrían estar capturando la misma información.</a:t>
+            </a:r>
+          </a:p>
+          <a:p>
+            <a:pPr algn="l">
+              <a:buFont typeface="Arial" panose="020B0604020202020204" pitchFamily="34" charset="0"/>
+              <a:buChar char="•"/>
+            </a:pPr>
+            <a:r>
+              <a:rPr lang="es-ES" sz="1200" b="0" i="0" dirty="0">
+                <a:effectLst/>
+                <a:latin typeface="system-ui"/>
+              </a:rPr>
+              <a:t>Detectar posibles problemas de colinealidad.</a:t>
+            </a:r>
+          </a:p>
+          <a:p>
+            <a:pPr algn="l">
+              <a:buFont typeface="Arial" panose="020B0604020202020204" pitchFamily="34" charset="0"/>
+              <a:buChar char="•"/>
+            </a:pPr>
+            <a:r>
+              <a:rPr lang="es-ES" sz="1200" b="0" i="0" dirty="0">
+                <a:effectLst/>
+                <a:latin typeface="system-ui"/>
+              </a:rPr>
+              <a:t>Seleccionar variables clave para modelos predictivos o descriptivos.</a:t>
+            </a:r>
+          </a:p>
+        </p:txBody>
+      </p:sp>
+    </p:spTree>
+    <p:extLst>
+      <p:ext uri="{BB962C8B-B14F-4D97-AF65-F5344CB8AC3E}">
+        <p14:creationId xmlns:p14="http://schemas.microsoft.com/office/powerpoint/2010/main" val="655031259"/>
+      </p:ext>
+    </p:extLst>
+  </p:cSld>
+  <p:clrMapOvr>
+    <a:masterClrMapping/>
+  </p:clrMapOvr>
+</p:sld>
+</file>
+
+<file path=ppt/slides/slide11.xml><?xml version="1.0" encoding="utf-8"?>
+<p:sld xmlns:a="http://schemas.openxmlformats.org/drawingml/2006/main" xmlns:r="http://schemas.openxmlformats.org/officeDocument/2006/relationships" xmlns:p="http://schemas.openxmlformats.org/presentationml/2006/main">
+  <p:cSld>
+    <p:spTree>
+      <p:nvGrpSpPr>
+        <p:cNvPr id="1" name=""/>
+        <p:cNvGrpSpPr/>
+        <p:nvPr/>
+      </p:nvGrpSpPr>
+      <p:grpSpPr>
+        <a:xfrm>
+          <a:off x="0" y="0"/>
+          <a:ext cx="0" cy="0"/>
+          <a:chOff x="0" y="0"/>
+          <a:chExt cx="0" cy="0"/>
+        </a:xfrm>
+      </p:grpSpPr>
+      <p:sp>
+        <p:nvSpPr>
+          <p:cNvPr id="2" name="Title 1">
+            <a:extLst>
+              <a:ext uri="{FF2B5EF4-FFF2-40B4-BE49-F238E27FC236}">
+                <a16:creationId xmlns:a16="http://schemas.microsoft.com/office/drawing/2014/main" id="{75DAA35B-39CB-217F-6E9C-FB61F1AD1A9D}"/>
+              </a:ext>
+            </a:extLst>
+          </p:cNvPr>
+          <p:cNvSpPr>
+            <a:spLocks noGrp="1"/>
+          </p:cNvSpPr>
+          <p:nvPr>
+            <p:ph type="title"/>
+          </p:nvPr>
+        </p:nvSpPr>
+        <p:spPr>
+          <a:xfrm>
+            <a:off x="2231136" y="388958"/>
+            <a:ext cx="7729728" cy="1188720"/>
+          </a:xfrm>
+        </p:spPr>
+        <p:txBody>
+          <a:bodyPr/>
+          <a:lstStyle/>
+          <a:p>
+            <a:r>
+              <a:rPr lang="es-ES" dirty="0"/>
+              <a:t>Preprocesamiento y Modelado de </a:t>
+            </a:r>
+            <a:r>
+              <a:rPr lang="es-ES" dirty="0" err="1"/>
+              <a:t>Clustering</a:t>
+            </a:r>
+            <a:r>
+              <a:rPr lang="es-ES" dirty="0"/>
+              <a:t> (K-</a:t>
+            </a:r>
+            <a:r>
+              <a:rPr lang="es-ES" dirty="0" err="1"/>
+              <a:t>Means</a:t>
+            </a:r>
+            <a:r>
+              <a:rPr lang="es-ES" dirty="0"/>
+              <a:t>)</a:t>
+            </a:r>
+          </a:p>
+        </p:txBody>
+      </p:sp>
+      <p:pic>
+        <p:nvPicPr>
+          <p:cNvPr id="5" name="Picture 4">
+            <a:extLst>
+              <a:ext uri="{FF2B5EF4-FFF2-40B4-BE49-F238E27FC236}">
+                <a16:creationId xmlns:a16="http://schemas.microsoft.com/office/drawing/2014/main" id="{A4721A12-9CF9-1DC0-46EC-0D919FC0251F}"/>
+              </a:ext>
+            </a:extLst>
+          </p:cNvPr>
+          <p:cNvPicPr>
+            <a:picLocks noChangeAspect="1"/>
+          </p:cNvPicPr>
+          <p:nvPr/>
+        </p:nvPicPr>
+        <p:blipFill>
+          <a:blip r:embed="rId2">
+            <a:extLst>
+              <a:ext uri="{28A0092B-C50C-407E-A947-70E740481C1C}">
+                <a14:useLocalDpi xmlns:a14="http://schemas.microsoft.com/office/drawing/2010/main" val="0"/>
+              </a:ext>
+            </a:extLst>
+          </a:blip>
+          <a:stretch>
+            <a:fillRect/>
+          </a:stretch>
+        </p:blipFill>
+        <p:spPr>
+          <a:xfrm>
+            <a:off x="774869" y="1786000"/>
+            <a:ext cx="4381331" cy="3285998"/>
+          </a:xfrm>
+          <a:prstGeom prst="rect">
+            <a:avLst/>
+          </a:prstGeom>
+        </p:spPr>
+      </p:pic>
+      <p:sp>
+        <p:nvSpPr>
+          <p:cNvPr id="7" name="TextBox 6">
+            <a:extLst>
+              <a:ext uri="{FF2B5EF4-FFF2-40B4-BE49-F238E27FC236}">
+                <a16:creationId xmlns:a16="http://schemas.microsoft.com/office/drawing/2014/main" id="{099BA3BE-2B0F-66DF-2637-4BC0847AA6D2}"/>
+              </a:ext>
+            </a:extLst>
+          </p:cNvPr>
+          <p:cNvSpPr txBox="1"/>
+          <p:nvPr/>
+        </p:nvSpPr>
+        <p:spPr>
+          <a:xfrm>
+            <a:off x="774869" y="5424253"/>
+            <a:ext cx="7262199" cy="1200329"/>
+          </a:xfrm>
+          <a:prstGeom prst="rect">
+            <a:avLst/>
+          </a:prstGeom>
+          <a:noFill/>
+        </p:spPr>
+        <p:txBody>
+          <a:bodyPr wrap="square">
+            <a:spAutoFit/>
+          </a:bodyPr>
+          <a:lstStyle/>
+          <a:p>
+            <a:pPr marL="171450" indent="-171450">
+              <a:buFont typeface="Arial" panose="020B0604020202020204" pitchFamily="34" charset="0"/>
+              <a:buChar char="•"/>
+            </a:pPr>
+            <a:r>
+              <a:rPr lang="es-ES" sz="1200" b="0" i="0" dirty="0">
+                <a:effectLst/>
+                <a:latin typeface="system-ui"/>
+              </a:rPr>
+              <a:t>Escalar las variables numéricas.</a:t>
+            </a:r>
+          </a:p>
+          <a:p>
+            <a:pPr marL="171450" indent="-171450">
+              <a:buFont typeface="Arial" panose="020B0604020202020204" pitchFamily="34" charset="0"/>
+              <a:buChar char="•"/>
+            </a:pPr>
+            <a:endParaRPr lang="es-ES" sz="1200" dirty="0">
+              <a:latin typeface="system-ui"/>
+            </a:endParaRPr>
+          </a:p>
+          <a:p>
+            <a:pPr marL="171450" indent="-171450">
+              <a:buFont typeface="Arial" panose="020B0604020202020204" pitchFamily="34" charset="0"/>
+              <a:buChar char="•"/>
+            </a:pPr>
+            <a:r>
+              <a:rPr lang="es-ES" sz="1200" dirty="0">
+                <a:latin typeface="system-ui"/>
+              </a:rPr>
+              <a:t>E</a:t>
+            </a:r>
+            <a:r>
+              <a:rPr lang="es-ES" sz="1200" b="0" i="0" dirty="0">
+                <a:effectLst/>
+                <a:latin typeface="system-ui"/>
+              </a:rPr>
+              <a:t>l gráfico del codo sugiere que el número óptimo de </a:t>
+            </a:r>
+            <a:r>
+              <a:rPr lang="es-ES" sz="1200" b="0" i="0" dirty="0" err="1">
+                <a:effectLst/>
+                <a:latin typeface="system-ui"/>
+              </a:rPr>
+              <a:t>clusters</a:t>
+            </a:r>
+            <a:r>
+              <a:rPr lang="es-ES" sz="1200" b="0" i="0" dirty="0">
+                <a:effectLst/>
+                <a:latin typeface="system-ui"/>
+              </a:rPr>
+              <a:t> podría estar entre 3 y 4. Sin embargo, para tomar una decisión más fundamentada, se evaluará el rendimiento utilizando el </a:t>
+            </a:r>
+            <a:r>
+              <a:rPr lang="es-ES" sz="1200" b="0" i="0" dirty="0" err="1">
+                <a:effectLst/>
+                <a:latin typeface="system-ui"/>
+              </a:rPr>
+              <a:t>Silhouette</a:t>
+            </a:r>
+            <a:r>
+              <a:rPr lang="es-ES" sz="1200" b="0" i="0" dirty="0">
+                <a:effectLst/>
+                <a:latin typeface="system-ui"/>
+              </a:rPr>
+              <a:t>. Esta métrica permitirá medir qué tan bien definidos están los grupos formados, ayudando a identificar cuál de las opciones proporciona una segmentación más coherente y significativa.</a:t>
+            </a:r>
+          </a:p>
+        </p:txBody>
+      </p:sp>
+      <p:pic>
+        <p:nvPicPr>
+          <p:cNvPr id="11" name="Picture 10">
+            <a:extLst>
+              <a:ext uri="{FF2B5EF4-FFF2-40B4-BE49-F238E27FC236}">
+                <a16:creationId xmlns:a16="http://schemas.microsoft.com/office/drawing/2014/main" id="{8BDB5D5F-0B5D-9511-65D7-37141B6A85A8}"/>
+              </a:ext>
+            </a:extLst>
+          </p:cNvPr>
+          <p:cNvPicPr>
+            <a:picLocks noChangeAspect="1"/>
+          </p:cNvPicPr>
+          <p:nvPr/>
+        </p:nvPicPr>
+        <p:blipFill>
+          <a:blip r:embed="rId3">
+            <a:extLst>
+              <a:ext uri="{28A0092B-C50C-407E-A947-70E740481C1C}">
+                <a14:useLocalDpi xmlns:a14="http://schemas.microsoft.com/office/drawing/2010/main" val="0"/>
+              </a:ext>
+            </a:extLst>
+          </a:blip>
+          <a:stretch>
+            <a:fillRect/>
+          </a:stretch>
+        </p:blipFill>
+        <p:spPr>
+          <a:xfrm>
+            <a:off x="6163733" y="1786000"/>
+            <a:ext cx="4381331" cy="3285998"/>
+          </a:xfrm>
+          <a:prstGeom prst="rect">
+            <a:avLst/>
+          </a:prstGeom>
+        </p:spPr>
+      </p:pic>
+    </p:spTree>
+    <p:extLst>
+      <p:ext uri="{BB962C8B-B14F-4D97-AF65-F5344CB8AC3E}">
+        <p14:creationId xmlns:p14="http://schemas.microsoft.com/office/powerpoint/2010/main" val="562536714"/>
+      </p:ext>
+    </p:extLst>
+  </p:cSld>
+  <p:clrMapOvr>
+    <a:masterClrMapping/>
+  </p:clrMapOvr>
+</p:sld>
+</file>
+
+<file path=ppt/slides/slide12.xml><?xml version="1.0" encoding="utf-8"?>
+<p:sld xmlns:a="http://schemas.openxmlformats.org/drawingml/2006/main" xmlns:r="http://schemas.openxmlformats.org/officeDocument/2006/relationships" xmlns:p="http://schemas.openxmlformats.org/presentationml/2006/main">
+  <p:cSld>
+    <p:spTree>
+      <p:nvGrpSpPr>
+        <p:cNvPr id="1" name=""/>
+        <p:cNvGrpSpPr/>
+        <p:nvPr/>
+      </p:nvGrpSpPr>
+      <p:grpSpPr>
+        <a:xfrm>
+          <a:off x="0" y="0"/>
+          <a:ext cx="0" cy="0"/>
+          <a:chOff x="0" y="0"/>
+          <a:chExt cx="0" cy="0"/>
+        </a:xfrm>
+      </p:grpSpPr>
+      <p:sp>
+        <p:nvSpPr>
+          <p:cNvPr id="2" name="Title 1">
+            <a:extLst>
+              <a:ext uri="{FF2B5EF4-FFF2-40B4-BE49-F238E27FC236}">
+                <a16:creationId xmlns:a16="http://schemas.microsoft.com/office/drawing/2014/main" id="{1DDEA3BC-3215-03B1-8B1E-AEE0F6C9BC03}"/>
+              </a:ext>
+            </a:extLst>
+          </p:cNvPr>
+          <p:cNvSpPr>
+            <a:spLocks noGrp="1"/>
+          </p:cNvSpPr>
+          <p:nvPr>
+            <p:ph type="title"/>
+          </p:nvPr>
+        </p:nvSpPr>
+        <p:spPr>
+          <a:xfrm>
+            <a:off x="2231136" y="473879"/>
+            <a:ext cx="7729728" cy="1188720"/>
+          </a:xfrm>
+        </p:spPr>
+        <p:txBody>
+          <a:bodyPr/>
+          <a:lstStyle/>
+          <a:p>
+            <a:r>
+              <a:rPr lang="es-ES" dirty="0"/>
+              <a:t>Preprocesamiento y Modelado de </a:t>
+            </a:r>
+            <a:r>
+              <a:rPr lang="es-ES" dirty="0" err="1"/>
+              <a:t>Clustering</a:t>
+            </a:r>
+            <a:r>
+              <a:rPr lang="es-ES" dirty="0"/>
+              <a:t> (K-</a:t>
+            </a:r>
+            <a:r>
+              <a:rPr lang="es-ES" dirty="0" err="1"/>
+              <a:t>Means</a:t>
+            </a:r>
+            <a:r>
+              <a:rPr lang="es-ES" dirty="0"/>
+              <a:t>)</a:t>
+            </a:r>
+          </a:p>
+        </p:txBody>
+      </p:sp>
+      <p:sp>
+        <p:nvSpPr>
+          <p:cNvPr id="3" name="Content Placeholder 2">
+            <a:extLst>
+              <a:ext uri="{FF2B5EF4-FFF2-40B4-BE49-F238E27FC236}">
+                <a16:creationId xmlns:a16="http://schemas.microsoft.com/office/drawing/2014/main" id="{1099BD08-FCB7-0907-F9E7-6E071E2419D4}"/>
+              </a:ext>
+            </a:extLst>
+          </p:cNvPr>
+          <p:cNvSpPr>
+            <a:spLocks noGrp="1"/>
+          </p:cNvSpPr>
+          <p:nvPr>
+            <p:ph idx="1"/>
+          </p:nvPr>
+        </p:nvSpPr>
+        <p:spPr>
+          <a:xfrm>
+            <a:off x="2231136" y="1813197"/>
+            <a:ext cx="7729728" cy="396408"/>
+          </a:xfrm>
+        </p:spPr>
+        <p:txBody>
+          <a:bodyPr/>
+          <a:lstStyle/>
+          <a:p>
+            <a:r>
+              <a:rPr lang="es-ES" dirty="0"/>
+              <a:t>Visualización de </a:t>
+            </a:r>
+            <a:r>
+              <a:rPr lang="es-ES" dirty="0" err="1"/>
+              <a:t>clusters</a:t>
+            </a:r>
+            <a:endParaRPr lang="es-ES" dirty="0"/>
+          </a:p>
+        </p:txBody>
+      </p:sp>
+      <p:pic>
+        <p:nvPicPr>
+          <p:cNvPr id="5" name="Picture 4">
+            <a:extLst>
+              <a:ext uri="{FF2B5EF4-FFF2-40B4-BE49-F238E27FC236}">
+                <a16:creationId xmlns:a16="http://schemas.microsoft.com/office/drawing/2014/main" id="{B0DE87BE-1A16-12BC-EF91-3883C7208672}"/>
+              </a:ext>
+            </a:extLst>
+          </p:cNvPr>
+          <p:cNvPicPr>
+            <a:picLocks noChangeAspect="1"/>
+          </p:cNvPicPr>
+          <p:nvPr/>
+        </p:nvPicPr>
+        <p:blipFill>
+          <a:blip r:embed="rId2">
+            <a:extLst>
+              <a:ext uri="{28A0092B-C50C-407E-A947-70E740481C1C}">
+                <a14:useLocalDpi xmlns:a14="http://schemas.microsoft.com/office/drawing/2010/main" val="0"/>
+              </a:ext>
+            </a:extLst>
+          </a:blip>
+          <a:stretch>
+            <a:fillRect/>
+          </a:stretch>
+        </p:blipFill>
+        <p:spPr>
+          <a:xfrm>
+            <a:off x="800269" y="2360203"/>
+            <a:ext cx="5511809" cy="3307086"/>
+          </a:xfrm>
+          <a:prstGeom prst="rect">
+            <a:avLst/>
+          </a:prstGeom>
+        </p:spPr>
+      </p:pic>
+      <p:sp>
+        <p:nvSpPr>
+          <p:cNvPr id="7" name="TextBox 6">
+            <a:extLst>
+              <a:ext uri="{FF2B5EF4-FFF2-40B4-BE49-F238E27FC236}">
+                <a16:creationId xmlns:a16="http://schemas.microsoft.com/office/drawing/2014/main" id="{1D79C8E6-A9DA-38CD-D1E8-AE6CCB18C771}"/>
+              </a:ext>
+            </a:extLst>
+          </p:cNvPr>
+          <p:cNvSpPr txBox="1"/>
+          <p:nvPr/>
+        </p:nvSpPr>
+        <p:spPr>
+          <a:xfrm>
+            <a:off x="6730998" y="3228916"/>
+            <a:ext cx="3784601" cy="1569660"/>
+          </a:xfrm>
+          <a:prstGeom prst="rect">
+            <a:avLst/>
+          </a:prstGeom>
+          <a:noFill/>
+        </p:spPr>
+        <p:txBody>
+          <a:bodyPr wrap="square">
+            <a:spAutoFit/>
+          </a:bodyPr>
+          <a:lstStyle/>
+          <a:p>
+            <a:r>
+              <a:rPr lang="es-ES" sz="1200" dirty="0">
+                <a:latin typeface="system-ui"/>
+              </a:rPr>
+              <a:t>S</a:t>
+            </a:r>
+            <a:r>
+              <a:rPr lang="es-ES" sz="1200" b="0" i="0" dirty="0">
+                <a:effectLst/>
+                <a:latin typeface="system-ui"/>
+              </a:rPr>
+              <a:t>e determinó que la cantidad ideal de clústeres para K-</a:t>
+            </a:r>
+            <a:r>
+              <a:rPr lang="es-ES" sz="1200" b="0" i="0" dirty="0" err="1">
+                <a:effectLst/>
+                <a:latin typeface="system-ui"/>
+              </a:rPr>
+              <a:t>Means</a:t>
+            </a:r>
+            <a:r>
+              <a:rPr lang="es-ES" sz="1200" b="0" i="0" dirty="0">
+                <a:effectLst/>
+                <a:latin typeface="system-ui"/>
+              </a:rPr>
+              <a:t> se encuentra entre 3 y 4. Aunque ambas opciones presentaban buenos resultados, se optó por utilizar 3 clústeres, ya que este número permite una segmentación más detallada de los datos. A continuación, se empleará esta configuración para crear los clústeres, generar visualizaciones de su distribución y utilizar gráficos de silueta para evaluar su efectividad.</a:t>
+            </a:r>
+            <a:endParaRPr lang="es-ES" sz="1200" dirty="0"/>
+          </a:p>
+        </p:txBody>
+      </p:sp>
+    </p:spTree>
+    <p:extLst>
+      <p:ext uri="{BB962C8B-B14F-4D97-AF65-F5344CB8AC3E}">
+        <p14:creationId xmlns:p14="http://schemas.microsoft.com/office/powerpoint/2010/main" val="3779330122"/>
+      </p:ext>
+    </p:extLst>
+  </p:cSld>
+  <p:clrMapOvr>
+    <a:masterClrMapping/>
+  </p:clrMapOvr>
+</p:sld>
+</file>
+
+<file path=ppt/slides/slide13.xml><?xml version="1.0" encoding="utf-8"?>
+<p:sld xmlns:a="http://schemas.openxmlformats.org/drawingml/2006/main" xmlns:r="http://schemas.openxmlformats.org/officeDocument/2006/relationships" xmlns:p="http://schemas.openxmlformats.org/presentationml/2006/main">
+  <p:cSld>
+    <p:spTree>
+      <p:nvGrpSpPr>
+        <p:cNvPr id="1" name=""/>
+        <p:cNvGrpSpPr/>
+        <p:nvPr/>
+      </p:nvGrpSpPr>
+      <p:grpSpPr>
+        <a:xfrm>
+          <a:off x="0" y="0"/>
+          <a:ext cx="0" cy="0"/>
+          <a:chOff x="0" y="0"/>
+          <a:chExt cx="0" cy="0"/>
+        </a:xfrm>
+      </p:grpSpPr>
+      <p:sp>
+        <p:nvSpPr>
+          <p:cNvPr id="2" name="Title 1">
+            <a:extLst>
+              <a:ext uri="{FF2B5EF4-FFF2-40B4-BE49-F238E27FC236}">
+                <a16:creationId xmlns:a16="http://schemas.microsoft.com/office/drawing/2014/main" id="{D531450F-68EB-370E-35DE-DC0102C71F3D}"/>
+              </a:ext>
+            </a:extLst>
+          </p:cNvPr>
+          <p:cNvSpPr>
+            <a:spLocks noGrp="1"/>
+          </p:cNvSpPr>
+          <p:nvPr>
+            <p:ph type="title"/>
+          </p:nvPr>
+        </p:nvSpPr>
+        <p:spPr/>
+        <p:txBody>
+          <a:bodyPr/>
+          <a:lstStyle/>
+          <a:p>
+            <a:r>
+              <a:rPr lang="es-ES" dirty="0"/>
+              <a:t>Preprocesamiento y Modelado de </a:t>
+            </a:r>
+            <a:r>
+              <a:rPr lang="es-ES" dirty="0" err="1"/>
+              <a:t>Clustering</a:t>
+            </a:r>
+            <a:r>
+              <a:rPr lang="es-ES" dirty="0"/>
+              <a:t> (DBSCAN)</a:t>
+            </a:r>
+          </a:p>
+        </p:txBody>
+      </p:sp>
+      <p:pic>
+        <p:nvPicPr>
+          <p:cNvPr id="5" name="Content Placeholder 4">
+            <a:extLst>
+              <a:ext uri="{FF2B5EF4-FFF2-40B4-BE49-F238E27FC236}">
+                <a16:creationId xmlns:a16="http://schemas.microsoft.com/office/drawing/2014/main" id="{B6F7C140-F88F-0ECE-27C7-0EFBED4204E0}"/>
+              </a:ext>
+            </a:extLst>
+          </p:cNvPr>
+          <p:cNvPicPr>
+            <a:picLocks noGrp="1" noChangeAspect="1"/>
+          </p:cNvPicPr>
+          <p:nvPr>
+            <p:ph idx="1"/>
+          </p:nvPr>
+        </p:nvPicPr>
+        <p:blipFill>
+          <a:blip r:embed="rId2">
+            <a:extLst>
+              <a:ext uri="{28A0092B-C50C-407E-A947-70E740481C1C}">
+                <a14:useLocalDpi xmlns:a14="http://schemas.microsoft.com/office/drawing/2010/main" val="0"/>
+              </a:ext>
+            </a:extLst>
+          </a:blip>
+          <a:stretch>
+            <a:fillRect/>
+          </a:stretch>
+        </p:blipFill>
+        <p:spPr>
+          <a:xfrm>
+            <a:off x="6307667" y="3857175"/>
+            <a:ext cx="4487333" cy="2692400"/>
+          </a:xfrm>
+        </p:spPr>
+      </p:pic>
+      <p:pic>
+        <p:nvPicPr>
+          <p:cNvPr id="7" name="Picture 6">
+            <a:extLst>
+              <a:ext uri="{FF2B5EF4-FFF2-40B4-BE49-F238E27FC236}">
+                <a16:creationId xmlns:a16="http://schemas.microsoft.com/office/drawing/2014/main" id="{E7EE7109-D955-BBFA-A040-DC2AE2550994}"/>
+              </a:ext>
+            </a:extLst>
+          </p:cNvPr>
+          <p:cNvPicPr>
+            <a:picLocks noChangeAspect="1"/>
+          </p:cNvPicPr>
+          <p:nvPr/>
+        </p:nvPicPr>
+        <p:blipFill>
+          <a:blip r:embed="rId3"/>
+          <a:stretch>
+            <a:fillRect/>
+          </a:stretch>
+        </p:blipFill>
+        <p:spPr>
+          <a:xfrm>
+            <a:off x="2160042" y="2300209"/>
+            <a:ext cx="5370879" cy="1556966"/>
+          </a:xfrm>
+          <a:prstGeom prst="rect">
+            <a:avLst/>
+          </a:prstGeom>
+        </p:spPr>
+      </p:pic>
+    </p:spTree>
+    <p:extLst>
+      <p:ext uri="{BB962C8B-B14F-4D97-AF65-F5344CB8AC3E}">
+        <p14:creationId xmlns:p14="http://schemas.microsoft.com/office/powerpoint/2010/main" val="2352588140"/>
+      </p:ext>
+    </p:extLst>
+  </p:cSld>
+  <p:clrMapOvr>
+    <a:masterClrMapping/>
+  </p:clrMapOvr>
+</p:sld>
+</file>
+
+<file path=ppt/slides/slide14.xml><?xml version="1.0" encoding="utf-8"?>
+<p:sld xmlns:a="http://schemas.openxmlformats.org/drawingml/2006/main" xmlns:r="http://schemas.openxmlformats.org/officeDocument/2006/relationships" xmlns:p="http://schemas.openxmlformats.org/presentationml/2006/main">
+  <p:cSld>
+    <p:spTree>
+      <p:nvGrpSpPr>
+        <p:cNvPr id="1" name=""/>
+        <p:cNvGrpSpPr/>
+        <p:nvPr/>
+      </p:nvGrpSpPr>
+      <p:grpSpPr>
+        <a:xfrm>
+          <a:off x="0" y="0"/>
+          <a:ext cx="0" cy="0"/>
+          <a:chOff x="0" y="0"/>
+          <a:chExt cx="0" cy="0"/>
+        </a:xfrm>
+      </p:grpSpPr>
+      <p:sp>
+        <p:nvSpPr>
+          <p:cNvPr id="2" name="Title 1">
+            <a:extLst>
+              <a:ext uri="{FF2B5EF4-FFF2-40B4-BE49-F238E27FC236}">
                 <a16:creationId xmlns:a16="http://schemas.microsoft.com/office/drawing/2014/main" id="{264279BF-9960-757D-EBC2-C247C2C7A8D8}"/>
               </a:ext>
             </a:extLst>
@@ -3851,7 +4707,7 @@
 </p:sld>
 </file>
 
-<file path=ppt/slides/slide11.xml><?xml version="1.0" encoding="utf-8"?>
+<file path=ppt/slides/slide15.xml><?xml version="1.0" encoding="utf-8"?>
 <p:sld xmlns:a="http://schemas.openxmlformats.org/drawingml/2006/main" xmlns:r="http://schemas.openxmlformats.org/officeDocument/2006/relationships" xmlns:p="http://schemas.openxmlformats.org/presentationml/2006/main">
   <p:cSld>
     <p:spTree>
@@ -4248,7 +5104,7 @@
 </p:sld>
 </file>
 
-<file path=ppt/slides/slide12.xml><?xml version="1.0" encoding="utf-8"?>
+<file path=ppt/slides/slide16.xml><?xml version="1.0" encoding="utf-8"?>
 <p:sld xmlns:a="http://schemas.openxmlformats.org/drawingml/2006/main" xmlns:r="http://schemas.openxmlformats.org/officeDocument/2006/relationships" xmlns:p="http://schemas.openxmlformats.org/presentationml/2006/main">
   <p:cSld>
     <p:spTree>
@@ -5491,7 +6347,7 @@
 </p:sld>
 </file>
 
-<file path=ppt/slides/slide13.xml><?xml version="1.0" encoding="utf-8"?>
+<file path=ppt/slides/slide17.xml><?xml version="1.0" encoding="utf-8"?>
 <p:sld xmlns:a="http://schemas.openxmlformats.org/drawingml/2006/main" xmlns:r="http://schemas.openxmlformats.org/officeDocument/2006/relationships" xmlns:p="http://schemas.openxmlformats.org/presentationml/2006/main">
   <p:cSld>
     <p:spTree>
@@ -8044,7 +8900,7 @@
 </p:sld>
 </file>
 
-<file path=ppt/slides/slide14.xml><?xml version="1.0" encoding="utf-8"?>
+<file path=ppt/slides/slide18.xml><?xml version="1.0" encoding="utf-8"?>
 <p:sld xmlns:a="http://schemas.openxmlformats.org/drawingml/2006/main" xmlns:r="http://schemas.openxmlformats.org/officeDocument/2006/relationships" xmlns:p="http://schemas.openxmlformats.org/presentationml/2006/main">
   <p:cSld>
     <p:spTree>
@@ -9702,7 +10558,7 @@
 </p:sld>
 </file>
 
-<file path=ppt/slides/slide15.xml><?xml version="1.0" encoding="utf-8"?>
+<file path=ppt/slides/slide19.xml><?xml version="1.0" encoding="utf-8"?>
 <p:sld xmlns:a="http://schemas.openxmlformats.org/drawingml/2006/main" xmlns:r="http://schemas.openxmlformats.org/officeDocument/2006/relationships" xmlns:p="http://schemas.openxmlformats.org/presentationml/2006/main">
   <p:cSld>
     <p:spTree>
@@ -9897,7 +10753,218 @@
 </p:sld>
 </file>
 
-<file path=ppt/slides/slide16.xml><?xml version="1.0" encoding="utf-8"?>
+<file path=ppt/slides/slide2.xml><?xml version="1.0" encoding="utf-8"?>
+<p:sld xmlns:a="http://schemas.openxmlformats.org/drawingml/2006/main" xmlns:r="http://schemas.openxmlformats.org/officeDocument/2006/relationships" xmlns:p="http://schemas.openxmlformats.org/presentationml/2006/main">
+  <p:cSld>
+    <p:spTree>
+      <p:nvGrpSpPr>
+        <p:cNvPr id="1" name=""/>
+        <p:cNvGrpSpPr/>
+        <p:nvPr/>
+      </p:nvGrpSpPr>
+      <p:grpSpPr>
+        <a:xfrm>
+          <a:off x="0" y="0"/>
+          <a:ext cx="0" cy="0"/>
+          <a:chOff x="0" y="0"/>
+          <a:chExt cx="0" cy="0"/>
+        </a:xfrm>
+      </p:grpSpPr>
+      <p:sp>
+        <p:nvSpPr>
+          <p:cNvPr id="2" name="Title 1">
+            <a:extLst>
+              <a:ext uri="{FF2B5EF4-FFF2-40B4-BE49-F238E27FC236}">
+                <a16:creationId xmlns:a16="http://schemas.microsoft.com/office/drawing/2014/main" id="{512EE05E-9388-B55E-6BD0-8EE01B5116F1}"/>
+              </a:ext>
+            </a:extLst>
+          </p:cNvPr>
+          <p:cNvSpPr>
+            <a:spLocks noGrp="1"/>
+          </p:cNvSpPr>
+          <p:nvPr>
+            <p:ph type="title"/>
+          </p:nvPr>
+        </p:nvSpPr>
+        <p:spPr/>
+        <p:txBody>
+          <a:bodyPr/>
+          <a:lstStyle/>
+          <a:p>
+            <a:r>
+              <a:rPr lang="es-ES" dirty="0"/>
+              <a:t>Justificación y Análisis</a:t>
+            </a:r>
+          </a:p>
+        </p:txBody>
+      </p:sp>
+      <p:sp>
+        <p:nvSpPr>
+          <p:cNvPr id="5" name="TextBox 4">
+            <a:extLst>
+              <a:ext uri="{FF2B5EF4-FFF2-40B4-BE49-F238E27FC236}">
+                <a16:creationId xmlns:a16="http://schemas.microsoft.com/office/drawing/2014/main" id="{DDE5FC3E-F42B-3B1B-CE7E-4FED390B1E96}"/>
+              </a:ext>
+            </a:extLst>
+          </p:cNvPr>
+          <p:cNvSpPr txBox="1"/>
+          <p:nvPr/>
+        </p:nvSpPr>
+        <p:spPr>
+          <a:xfrm>
+            <a:off x="1549400" y="2422254"/>
+            <a:ext cx="9093200" cy="3200876"/>
+          </a:xfrm>
+          <a:prstGeom prst="rect">
+            <a:avLst/>
+          </a:prstGeom>
+          <a:noFill/>
+        </p:spPr>
+        <p:txBody>
+          <a:bodyPr wrap="square">
+            <a:spAutoFit/>
+          </a:bodyPr>
+          <a:lstStyle/>
+          <a:p>
+            <a:pPr algn="l">
+              <a:spcAft>
+                <a:spcPts val="1200"/>
+              </a:spcAft>
+              <a:buNone/>
+            </a:pPr>
+            <a:r>
+              <a:rPr lang="es-ES" b="0" i="0" dirty="0">
+                <a:effectLst/>
+                <a:latin typeface="-apple-system"/>
+              </a:rPr>
+              <a:t>Este proyecto aplica técnicas de </a:t>
+            </a:r>
+            <a:r>
+              <a:rPr lang="es-ES" b="1" i="0" dirty="0">
+                <a:effectLst/>
+                <a:latin typeface="-apple-system"/>
+              </a:rPr>
+              <a:t>aprendizaje no supervisado</a:t>
+            </a:r>
+            <a:r>
+              <a:rPr lang="es-ES" b="0" i="0" dirty="0">
+                <a:effectLst/>
+                <a:latin typeface="-apple-system"/>
+              </a:rPr>
+              <a:t> para segmentar clientes de tarjetas de crédito, con el objetivo de:</a:t>
+            </a:r>
+          </a:p>
+          <a:p>
+            <a:pPr algn="l">
+              <a:spcAft>
+                <a:spcPts val="1200"/>
+              </a:spcAft>
+              <a:buFont typeface="Arial" panose="020B0604020202020204" pitchFamily="34" charset="0"/>
+              <a:buChar char="•"/>
+            </a:pPr>
+            <a:r>
+              <a:rPr lang="es-ES" b="0" i="0" dirty="0">
+                <a:effectLst/>
+                <a:latin typeface="-apple-system"/>
+              </a:rPr>
+              <a:t>Diseñar estrategias de marketing personalizadas.</a:t>
+            </a:r>
+          </a:p>
+          <a:p>
+            <a:pPr algn="l">
+              <a:spcAft>
+                <a:spcPts val="1200"/>
+              </a:spcAft>
+              <a:buFont typeface="Arial" panose="020B0604020202020204" pitchFamily="34" charset="0"/>
+              <a:buChar char="•"/>
+            </a:pPr>
+            <a:r>
+              <a:rPr lang="es-ES" b="0" i="0" dirty="0">
+                <a:effectLst/>
+                <a:latin typeface="-apple-system"/>
+              </a:rPr>
+              <a:t>Identificar perfiles de riesgo.</a:t>
+            </a:r>
+          </a:p>
+          <a:p>
+            <a:pPr algn="l">
+              <a:spcAft>
+                <a:spcPts val="1200"/>
+              </a:spcAft>
+              <a:buFont typeface="Arial" panose="020B0604020202020204" pitchFamily="34" charset="0"/>
+              <a:buChar char="•"/>
+            </a:pPr>
+            <a:r>
+              <a:rPr lang="es-ES" b="0" i="0" dirty="0">
+                <a:effectLst/>
+                <a:latin typeface="-apple-system"/>
+              </a:rPr>
+              <a:t>Optimizar la asignación de límites de crédito y promociones.</a:t>
+            </a:r>
+          </a:p>
+          <a:p>
+            <a:pPr algn="l">
+              <a:spcAft>
+                <a:spcPts val="1200"/>
+              </a:spcAft>
+              <a:buNone/>
+            </a:pPr>
+            <a:r>
+              <a:rPr lang="es-ES" b="0" i="0" dirty="0">
+                <a:effectLst/>
+                <a:latin typeface="-apple-system"/>
+              </a:rPr>
+              <a:t>Se utilizó un </a:t>
+            </a:r>
+            <a:r>
+              <a:rPr lang="es-ES" b="0" i="0" dirty="0" err="1">
+                <a:effectLst/>
+                <a:latin typeface="-apple-system"/>
+              </a:rPr>
+              <a:t>dataset</a:t>
+            </a:r>
+            <a:r>
+              <a:rPr lang="es-ES" b="0" i="0" dirty="0">
+                <a:effectLst/>
+                <a:latin typeface="-apple-system"/>
+              </a:rPr>
+              <a:t> con información de aproximadamente </a:t>
+            </a:r>
+            <a:r>
+              <a:rPr lang="es-ES" b="1" i="0" dirty="0">
+                <a:effectLst/>
+                <a:latin typeface="-apple-system"/>
+              </a:rPr>
+              <a:t>9,000 clientes activos</a:t>
+            </a:r>
+            <a:r>
+              <a:rPr lang="es-ES" b="0" i="0" dirty="0">
+                <a:effectLst/>
+                <a:latin typeface="-apple-system"/>
+              </a:rPr>
+              <a:t> durante los últimos seis meses, incluyendo 18 variables que describen su comportamiento financiero: saldo promedio, frecuencia de compras, adelantos en efectivo, pagos mínimos y totales, entre otros.</a:t>
+            </a:r>
+            <a:br>
+              <a:rPr lang="es-ES" dirty="0"/>
+            </a:br>
+            <a:endParaRPr lang="es-ES" dirty="0"/>
+          </a:p>
+        </p:txBody>
+      </p:sp>
+    </p:spTree>
+    <p:extLst>
+      <p:ext uri="{BB962C8B-B14F-4D97-AF65-F5344CB8AC3E}">
+        <p14:creationId xmlns:p14="http://schemas.microsoft.com/office/powerpoint/2010/main" val="1056335119"/>
+      </p:ext>
+    </p:extLst>
+  </p:cSld>
+  <p:clrMapOvr>
+    <a:masterClrMapping/>
+  </p:clrMapOvr>
+</p:sld>
+</file>
+
+<file path=ppt/slides/slide20.xml><?xml version="1.0" encoding="utf-8"?>
 <p:sld xmlns:a="http://schemas.openxmlformats.org/drawingml/2006/main" xmlns:r="http://schemas.openxmlformats.org/officeDocument/2006/relationships" xmlns:p="http://schemas.openxmlformats.org/presentationml/2006/main">
   <p:cSld>
     <p:spTree>
@@ -10316,7 +11383,7 @@
 </p:sld>
 </file>
 
-<file path=ppt/slides/slide17.xml><?xml version="1.0" encoding="utf-8"?>
+<file path=ppt/slides/slide21.xml><?xml version="1.0" encoding="utf-8"?>
 <p:sld xmlns:a="http://schemas.openxmlformats.org/drawingml/2006/main" xmlns:r="http://schemas.openxmlformats.org/officeDocument/2006/relationships" xmlns:p="http://schemas.openxmlformats.org/presentationml/2006/main">
   <p:cSld>
     <p:spTree>
@@ -10687,7 +11754,7 @@
 </p:sld>
 </file>
 
-<file path=ppt/slides/slide18.xml><?xml version="1.0" encoding="utf-8"?>
+<file path=ppt/slides/slide22.xml><?xml version="1.0" encoding="utf-8"?>
 <p:sld xmlns:a="http://schemas.openxmlformats.org/drawingml/2006/main" xmlns:r="http://schemas.openxmlformats.org/officeDocument/2006/relationships" xmlns:p="http://schemas.openxmlformats.org/presentationml/2006/main">
   <p:cSld>
     <p:spTree>
@@ -11075,7 +12142,7 @@
 </p:sld>
 </file>
 
-<file path=ppt/slides/slide19.xml><?xml version="1.0" encoding="utf-8"?>
+<file path=ppt/slides/slide23.xml><?xml version="1.0" encoding="utf-8"?>
 <p:sld xmlns:a="http://schemas.openxmlformats.org/drawingml/2006/main" xmlns:r="http://schemas.openxmlformats.org/officeDocument/2006/relationships" xmlns:p="http://schemas.openxmlformats.org/presentationml/2006/main">
   <p:cSld>
     <p:spTree>
@@ -11459,122 +12526,7 @@
 </p:sld>
 </file>
 
-<file path=ppt/slides/slide2.xml><?xml version="1.0" encoding="utf-8"?>
-<p:sld xmlns:a="http://schemas.openxmlformats.org/drawingml/2006/main" xmlns:r="http://schemas.openxmlformats.org/officeDocument/2006/relationships" xmlns:p="http://schemas.openxmlformats.org/presentationml/2006/main">
-  <p:cSld>
-    <p:spTree>
-      <p:nvGrpSpPr>
-        <p:cNvPr id="1" name=""/>
-        <p:cNvGrpSpPr/>
-        <p:nvPr/>
-      </p:nvGrpSpPr>
-      <p:grpSpPr>
-        <a:xfrm>
-          <a:off x="0" y="0"/>
-          <a:ext cx="0" cy="0"/>
-          <a:chOff x="0" y="0"/>
-          <a:chExt cx="0" cy="0"/>
-        </a:xfrm>
-      </p:grpSpPr>
-      <p:sp>
-        <p:nvSpPr>
-          <p:cNvPr id="2" name="Title 1">
-            <a:extLst>
-              <a:ext uri="{FF2B5EF4-FFF2-40B4-BE49-F238E27FC236}">
-                <a16:creationId xmlns:a16="http://schemas.microsoft.com/office/drawing/2014/main" id="{8B172B5E-1177-3A12-379E-28FCCC415578}"/>
-              </a:ext>
-            </a:extLst>
-          </p:cNvPr>
-          <p:cNvSpPr>
-            <a:spLocks noGrp="1"/>
-          </p:cNvSpPr>
-          <p:nvPr>
-            <p:ph type="title"/>
-          </p:nvPr>
-        </p:nvSpPr>
-        <p:spPr/>
-        <p:txBody>
-          <a:bodyPr/>
-          <a:lstStyle/>
-          <a:p>
-            <a:r>
-              <a:rPr lang="en-US" dirty="0" err="1"/>
-              <a:t>Objetivos</a:t>
-            </a:r>
-            <a:endParaRPr lang="es-ES" dirty="0"/>
-          </a:p>
-        </p:txBody>
-      </p:sp>
-      <p:sp>
-        <p:nvSpPr>
-          <p:cNvPr id="3" name="Content Placeholder 2">
-            <a:extLst>
-              <a:ext uri="{FF2B5EF4-FFF2-40B4-BE49-F238E27FC236}">
-                <a16:creationId xmlns:a16="http://schemas.microsoft.com/office/drawing/2014/main" id="{12C1ABCD-0A0E-A59D-C011-A133ACA5C6FF}"/>
-              </a:ext>
-            </a:extLst>
-          </p:cNvPr>
-          <p:cNvSpPr>
-            <a:spLocks noGrp="1"/>
-          </p:cNvSpPr>
-          <p:nvPr>
-            <p:ph idx="1"/>
-          </p:nvPr>
-        </p:nvSpPr>
-        <p:spPr/>
-        <p:txBody>
-          <a:bodyPr/>
-          <a:lstStyle/>
-          <a:p>
-            <a:r>
-              <a:rPr lang="es-ES" dirty="0"/>
-              <a:t>Objetivo general: </a:t>
-            </a:r>
-          </a:p>
-          <a:p>
-            <a:pPr lvl="1"/>
-            <a:r>
-              <a:rPr lang="es-ES" dirty="0"/>
-              <a:t>Identificar perfiles de clientes según su comportamiento de compra.</a:t>
-            </a:r>
-          </a:p>
-          <a:p>
-            <a:r>
-              <a:rPr lang="es-ES" dirty="0"/>
-              <a:t>Metas específicas: </a:t>
-            </a:r>
-          </a:p>
-          <a:p>
-            <a:pPr lvl="1"/>
-            <a:r>
-              <a:rPr lang="es-ES" dirty="0"/>
-              <a:t>Limpieza de datos, EDA, aplicar K-</a:t>
-            </a:r>
-            <a:r>
-              <a:rPr lang="es-ES" dirty="0" err="1"/>
-              <a:t>Means</a:t>
-            </a:r>
-            <a:r>
-              <a:rPr lang="es-ES" dirty="0"/>
-              <a:t> y DBSCAN, reducción de dimensión, conclusiones.</a:t>
-            </a:r>
-          </a:p>
-        </p:txBody>
-      </p:sp>
-    </p:spTree>
-    <p:extLst>
-      <p:ext uri="{BB962C8B-B14F-4D97-AF65-F5344CB8AC3E}">
-        <p14:creationId xmlns:p14="http://schemas.microsoft.com/office/powerpoint/2010/main" val="2315992914"/>
-      </p:ext>
-    </p:extLst>
-  </p:cSld>
-  <p:clrMapOvr>
-    <a:masterClrMapping/>
-  </p:clrMapOvr>
-</p:sld>
-</file>
-
-<file path=ppt/slides/slide20.xml><?xml version="1.0" encoding="utf-8"?>
+<file path=ppt/slides/slide24.xml><?xml version="1.0" encoding="utf-8"?>
 <p:sld xmlns:a="http://schemas.openxmlformats.org/drawingml/2006/main" xmlns:r="http://schemas.openxmlformats.org/officeDocument/2006/relationships" xmlns:p="http://schemas.openxmlformats.org/presentationml/2006/main">
   <p:cSld>
     <p:spTree>
@@ -11639,6 +12591,1038 @@
 </file>
 
 <file path=ppt/slides/slide3.xml><?xml version="1.0" encoding="utf-8"?>
+<p:sld xmlns:a="http://schemas.openxmlformats.org/drawingml/2006/main" xmlns:r="http://schemas.openxmlformats.org/officeDocument/2006/relationships" xmlns:p="http://schemas.openxmlformats.org/presentationml/2006/main">
+  <p:cSld>
+    <p:spTree>
+      <p:nvGrpSpPr>
+        <p:cNvPr id="1" name=""/>
+        <p:cNvGrpSpPr/>
+        <p:nvPr/>
+      </p:nvGrpSpPr>
+      <p:grpSpPr>
+        <a:xfrm>
+          <a:off x="0" y="0"/>
+          <a:ext cx="0" cy="0"/>
+          <a:chOff x="0" y="0"/>
+          <a:chExt cx="0" cy="0"/>
+        </a:xfrm>
+      </p:grpSpPr>
+      <p:sp>
+        <p:nvSpPr>
+          <p:cNvPr id="2" name="Title 1">
+            <a:extLst>
+              <a:ext uri="{FF2B5EF4-FFF2-40B4-BE49-F238E27FC236}">
+                <a16:creationId xmlns:a16="http://schemas.microsoft.com/office/drawing/2014/main" id="{8B172B5E-1177-3A12-379E-28FCCC415578}"/>
+              </a:ext>
+            </a:extLst>
+          </p:cNvPr>
+          <p:cNvSpPr>
+            <a:spLocks noGrp="1"/>
+          </p:cNvSpPr>
+          <p:nvPr>
+            <p:ph type="title"/>
+          </p:nvPr>
+        </p:nvSpPr>
+        <p:spPr/>
+        <p:txBody>
+          <a:bodyPr/>
+          <a:lstStyle/>
+          <a:p>
+            <a:r>
+              <a:rPr lang="en-US" dirty="0" err="1"/>
+              <a:t>Objetivos</a:t>
+            </a:r>
+            <a:endParaRPr lang="es-ES" dirty="0"/>
+          </a:p>
+        </p:txBody>
+      </p:sp>
+      <p:sp>
+        <p:nvSpPr>
+          <p:cNvPr id="3" name="Content Placeholder 2">
+            <a:extLst>
+              <a:ext uri="{FF2B5EF4-FFF2-40B4-BE49-F238E27FC236}">
+                <a16:creationId xmlns:a16="http://schemas.microsoft.com/office/drawing/2014/main" id="{12C1ABCD-0A0E-A59D-C011-A133ACA5C6FF}"/>
+              </a:ext>
+            </a:extLst>
+          </p:cNvPr>
+          <p:cNvSpPr>
+            <a:spLocks noGrp="1"/>
+          </p:cNvSpPr>
+          <p:nvPr>
+            <p:ph idx="1"/>
+          </p:nvPr>
+        </p:nvSpPr>
+        <p:spPr/>
+        <p:txBody>
+          <a:bodyPr/>
+          <a:lstStyle/>
+          <a:p>
+            <a:r>
+              <a:rPr lang="es-ES" dirty="0"/>
+              <a:t>Objetivo general: </a:t>
+            </a:r>
+          </a:p>
+          <a:p>
+            <a:pPr lvl="1"/>
+            <a:r>
+              <a:rPr lang="es-ES" dirty="0"/>
+              <a:t>Identificar perfiles de clientes según su comportamiento de compra.</a:t>
+            </a:r>
+          </a:p>
+          <a:p>
+            <a:r>
+              <a:rPr lang="es-ES" dirty="0"/>
+              <a:t>Metas específicas: </a:t>
+            </a:r>
+          </a:p>
+          <a:p>
+            <a:pPr lvl="1"/>
+            <a:r>
+              <a:rPr lang="es-ES" dirty="0"/>
+              <a:t>Limpieza de datos, EDA, aplicar K-</a:t>
+            </a:r>
+            <a:r>
+              <a:rPr lang="es-ES" dirty="0" err="1"/>
+              <a:t>Means</a:t>
+            </a:r>
+            <a:r>
+              <a:rPr lang="es-ES" dirty="0"/>
+              <a:t> y DBSCAN, reducción de dimensión, conclusiones.</a:t>
+            </a:r>
+          </a:p>
+        </p:txBody>
+      </p:sp>
+    </p:spTree>
+    <p:extLst>
+      <p:ext uri="{BB962C8B-B14F-4D97-AF65-F5344CB8AC3E}">
+        <p14:creationId xmlns:p14="http://schemas.microsoft.com/office/powerpoint/2010/main" val="2315992914"/>
+      </p:ext>
+    </p:extLst>
+  </p:cSld>
+  <p:clrMapOvr>
+    <a:masterClrMapping/>
+  </p:clrMapOvr>
+</p:sld>
+</file>
+
+<file path=ppt/slides/slide4.xml><?xml version="1.0" encoding="utf-8"?>
+<p:sld xmlns:a="http://schemas.openxmlformats.org/drawingml/2006/main" xmlns:r="http://schemas.openxmlformats.org/officeDocument/2006/relationships" xmlns:p="http://schemas.openxmlformats.org/presentationml/2006/main">
+  <p:cSld>
+    <p:spTree>
+      <p:nvGrpSpPr>
+        <p:cNvPr id="1" name=""/>
+        <p:cNvGrpSpPr/>
+        <p:nvPr/>
+      </p:nvGrpSpPr>
+      <p:grpSpPr>
+        <a:xfrm>
+          <a:off x="0" y="0"/>
+          <a:ext cx="0" cy="0"/>
+          <a:chOff x="0" y="0"/>
+          <a:chExt cx="0" cy="0"/>
+        </a:xfrm>
+      </p:grpSpPr>
+      <p:sp>
+        <p:nvSpPr>
+          <p:cNvPr id="2" name="Title 1">
+            <a:extLst>
+              <a:ext uri="{FF2B5EF4-FFF2-40B4-BE49-F238E27FC236}">
+                <a16:creationId xmlns:a16="http://schemas.microsoft.com/office/drawing/2014/main" id="{F1D825E5-0F29-A239-FBF9-9224EF2D5484}"/>
+              </a:ext>
+            </a:extLst>
+          </p:cNvPr>
+          <p:cNvSpPr>
+            <a:spLocks noGrp="1"/>
+          </p:cNvSpPr>
+          <p:nvPr>
+            <p:ph type="title"/>
+          </p:nvPr>
+        </p:nvSpPr>
+        <p:spPr/>
+        <p:txBody>
+          <a:bodyPr/>
+          <a:lstStyle/>
+          <a:p>
+            <a:r>
+              <a:rPr lang="es-ES" dirty="0"/>
+              <a:t>Introducción del Problema</a:t>
+            </a:r>
+          </a:p>
+        </p:txBody>
+      </p:sp>
+      <p:sp>
+        <p:nvSpPr>
+          <p:cNvPr id="5" name="TextBox 4">
+            <a:extLst>
+              <a:ext uri="{FF2B5EF4-FFF2-40B4-BE49-F238E27FC236}">
+                <a16:creationId xmlns:a16="http://schemas.microsoft.com/office/drawing/2014/main" id="{1D9AB371-19CB-027B-E8C0-C526F89AA2A6}"/>
+              </a:ext>
+            </a:extLst>
+          </p:cNvPr>
+          <p:cNvSpPr txBox="1"/>
+          <p:nvPr/>
+        </p:nvSpPr>
+        <p:spPr>
+          <a:xfrm>
+            <a:off x="2231136" y="2904098"/>
+            <a:ext cx="7666397" cy="2369880"/>
+          </a:xfrm>
+          <a:prstGeom prst="rect">
+            <a:avLst/>
+          </a:prstGeom>
+          <a:noFill/>
+        </p:spPr>
+        <p:txBody>
+          <a:bodyPr wrap="square">
+            <a:spAutoFit/>
+          </a:bodyPr>
+          <a:lstStyle/>
+          <a:p>
+            <a:pPr algn="l">
+              <a:spcAft>
+                <a:spcPts val="1200"/>
+              </a:spcAft>
+              <a:buNone/>
+            </a:pPr>
+            <a:r>
+              <a:rPr lang="es-ES" b="0" i="0" dirty="0">
+                <a:effectLst/>
+                <a:latin typeface="-apple-system"/>
+              </a:rPr>
+              <a:t>Las instituciones financieras necesitan segmentar su base de clientes para:</a:t>
+            </a:r>
+          </a:p>
+          <a:p>
+            <a:pPr algn="l">
+              <a:spcAft>
+                <a:spcPts val="1200"/>
+              </a:spcAft>
+              <a:buFont typeface="Arial" panose="020B0604020202020204" pitchFamily="34" charset="0"/>
+              <a:buChar char="•"/>
+            </a:pPr>
+            <a:r>
+              <a:rPr lang="es-ES" b="0" i="0" dirty="0">
+                <a:effectLst/>
+                <a:latin typeface="-apple-system"/>
+              </a:rPr>
+              <a:t>Enfocar estrategias de </a:t>
+            </a:r>
+            <a:r>
+              <a:rPr lang="es-ES" b="1" i="0" dirty="0">
+                <a:effectLst/>
+                <a:latin typeface="-apple-system"/>
+              </a:rPr>
+              <a:t>retención y fidelización</a:t>
+            </a:r>
+            <a:r>
+              <a:rPr lang="es-ES" b="0" i="0" dirty="0">
+                <a:effectLst/>
+                <a:latin typeface="-apple-system"/>
+              </a:rPr>
+              <a:t>.</a:t>
+            </a:r>
+          </a:p>
+          <a:p>
+            <a:pPr algn="l">
+              <a:spcAft>
+                <a:spcPts val="1200"/>
+              </a:spcAft>
+              <a:buFont typeface="Arial" panose="020B0604020202020204" pitchFamily="34" charset="0"/>
+              <a:buChar char="•"/>
+            </a:pPr>
+            <a:r>
+              <a:rPr lang="es-ES" b="1" i="0" dirty="0">
+                <a:effectLst/>
+                <a:latin typeface="-apple-system"/>
+              </a:rPr>
+              <a:t>Reducir el riesgo crediticio</a:t>
+            </a:r>
+            <a:r>
+              <a:rPr lang="es-ES" b="0" i="0" dirty="0">
+                <a:effectLst/>
+                <a:latin typeface="-apple-system"/>
+              </a:rPr>
+              <a:t> adaptando condiciones según perfiles.</a:t>
+            </a:r>
+          </a:p>
+          <a:p>
+            <a:pPr algn="l">
+              <a:spcAft>
+                <a:spcPts val="1200"/>
+              </a:spcAft>
+              <a:buFont typeface="Arial" panose="020B0604020202020204" pitchFamily="34" charset="0"/>
+              <a:buChar char="•"/>
+            </a:pPr>
+            <a:r>
+              <a:rPr lang="es-ES" b="1" i="0" dirty="0">
+                <a:effectLst/>
+                <a:latin typeface="-apple-system"/>
+              </a:rPr>
+              <a:t>Mejorar la eficiencia</a:t>
+            </a:r>
+            <a:r>
+              <a:rPr lang="es-ES" b="0" i="0" dirty="0">
+                <a:effectLst/>
+                <a:latin typeface="-apple-system"/>
+              </a:rPr>
+              <a:t> comercial y operativa.</a:t>
+            </a:r>
+          </a:p>
+          <a:p>
+            <a:pPr algn="l">
+              <a:spcAft>
+                <a:spcPts val="1200"/>
+              </a:spcAft>
+            </a:pPr>
+            <a:r>
+              <a:rPr lang="es-ES" b="0" i="0" dirty="0">
+                <a:effectLst/>
+                <a:latin typeface="-apple-system"/>
+              </a:rPr>
+              <a:t>Dado que no se cuenta con etiquetas previas, se aplican técnicas de </a:t>
+            </a:r>
+            <a:r>
+              <a:rPr lang="es-ES" b="1" i="0" dirty="0" err="1">
+                <a:effectLst/>
+                <a:latin typeface="-apple-system"/>
+              </a:rPr>
+              <a:t>clustering</a:t>
+            </a:r>
+            <a:r>
+              <a:rPr lang="es-ES" b="0" i="0" dirty="0">
+                <a:effectLst/>
+                <a:latin typeface="-apple-system"/>
+              </a:rPr>
+              <a:t> para identificar grupos de clientes con comportamientos similares.</a:t>
+            </a:r>
+          </a:p>
+        </p:txBody>
+      </p:sp>
+    </p:spTree>
+    <p:extLst>
+      <p:ext uri="{BB962C8B-B14F-4D97-AF65-F5344CB8AC3E}">
+        <p14:creationId xmlns:p14="http://schemas.microsoft.com/office/powerpoint/2010/main" val="4020074433"/>
+      </p:ext>
+    </p:extLst>
+  </p:cSld>
+  <p:clrMapOvr>
+    <a:masterClrMapping/>
+  </p:clrMapOvr>
+</p:sld>
+</file>
+
+<file path=ppt/slides/slide5.xml><?xml version="1.0" encoding="utf-8"?>
+<p:sld xmlns:a="http://schemas.openxmlformats.org/drawingml/2006/main" xmlns:r="http://schemas.openxmlformats.org/officeDocument/2006/relationships" xmlns:p="http://schemas.openxmlformats.org/presentationml/2006/main">
+  <p:cSld>
+    <p:spTree>
+      <p:nvGrpSpPr>
+        <p:cNvPr id="1" name=""/>
+        <p:cNvGrpSpPr/>
+        <p:nvPr/>
+      </p:nvGrpSpPr>
+      <p:grpSpPr>
+        <a:xfrm>
+          <a:off x="0" y="0"/>
+          <a:ext cx="0" cy="0"/>
+          <a:chOff x="0" y="0"/>
+          <a:chExt cx="0" cy="0"/>
+        </a:xfrm>
+      </p:grpSpPr>
+      <p:sp>
+        <p:nvSpPr>
+          <p:cNvPr id="2" name="Title 1">
+            <a:extLst>
+              <a:ext uri="{FF2B5EF4-FFF2-40B4-BE49-F238E27FC236}">
+                <a16:creationId xmlns:a16="http://schemas.microsoft.com/office/drawing/2014/main" id="{28F1B63A-FADB-CDEF-5D3A-EA5624E4D3FB}"/>
+              </a:ext>
+            </a:extLst>
+          </p:cNvPr>
+          <p:cNvSpPr>
+            <a:spLocks noGrp="1"/>
+          </p:cNvSpPr>
+          <p:nvPr>
+            <p:ph type="title"/>
+          </p:nvPr>
+        </p:nvSpPr>
+        <p:spPr/>
+        <p:txBody>
+          <a:bodyPr/>
+          <a:lstStyle/>
+          <a:p>
+            <a:r>
+              <a:rPr lang="es-ES" dirty="0"/>
+              <a:t>Metodología y Técnicas Aplicadas</a:t>
+            </a:r>
+          </a:p>
+        </p:txBody>
+      </p:sp>
+      <p:sp>
+        <p:nvSpPr>
+          <p:cNvPr id="6" name="Rectangle 3">
+            <a:extLst>
+              <a:ext uri="{FF2B5EF4-FFF2-40B4-BE49-F238E27FC236}">
+                <a16:creationId xmlns:a16="http://schemas.microsoft.com/office/drawing/2014/main" id="{4A75753F-80AC-BCD7-BF96-C34E48AA3F1E}"/>
+              </a:ext>
+            </a:extLst>
+          </p:cNvPr>
+          <p:cNvSpPr>
+            <a:spLocks noGrp="1" noChangeArrowheads="1"/>
+          </p:cNvSpPr>
+          <p:nvPr>
+            <p:ph idx="1"/>
+          </p:nvPr>
+        </p:nvSpPr>
+        <p:spPr bwMode="auto">
+          <a:xfrm>
+            <a:off x="665671" y="2568316"/>
+            <a:ext cx="10860657" cy="3672768"/>
+          </a:xfrm>
+          <a:prstGeom prst="rect">
+            <a:avLst/>
+          </a:prstGeom>
+          <a:solidFill>
+            <a:schemeClr val="bg1"/>
+          </a:solidFill>
+          <a:ln>
+            <a:noFill/>
+          </a:ln>
+          <a:effectLst/>
+        </p:spPr>
+        <p:txBody>
+          <a:bodyPr vert="horz" wrap="square" lIns="0" tIns="0" rIns="0" bIns="101568" numCol="1" anchor="ctr" anchorCtr="0" compatLnSpc="1">
+            <a:prstTxWarp prst="textNoShape">
+              <a:avLst/>
+            </a:prstTxWarp>
+            <a:spAutoFit/>
+          </a:bodyPr>
+          <a:lstStyle>
+            <a:lvl1pPr eaLnBrk="0" fontAlgn="base" hangingPunct="0">
+              <a:spcBef>
+                <a:spcPct val="0"/>
+              </a:spcBef>
+              <a:spcAft>
+                <a:spcPct val="0"/>
+              </a:spcAft>
+              <a:defRPr>
+                <a:solidFill>
+                  <a:schemeClr val="tx1"/>
+                </a:solidFill>
+                <a:latin typeface="Arial" panose="020B0604020202020204" pitchFamily="34" charset="0"/>
+              </a:defRPr>
+            </a:lvl1pPr>
+            <a:lvl2pPr eaLnBrk="0" fontAlgn="base" hangingPunct="0">
+              <a:spcBef>
+                <a:spcPct val="0"/>
+              </a:spcBef>
+              <a:spcAft>
+                <a:spcPct val="0"/>
+              </a:spcAft>
+              <a:defRPr>
+                <a:solidFill>
+                  <a:schemeClr val="tx1"/>
+                </a:solidFill>
+                <a:latin typeface="Arial" panose="020B0604020202020204" pitchFamily="34" charset="0"/>
+              </a:defRPr>
+            </a:lvl2pPr>
+            <a:lvl3pPr eaLnBrk="0" fontAlgn="base" hangingPunct="0">
+              <a:spcBef>
+                <a:spcPct val="0"/>
+              </a:spcBef>
+              <a:spcAft>
+                <a:spcPct val="0"/>
+              </a:spcAft>
+              <a:defRPr>
+                <a:solidFill>
+                  <a:schemeClr val="tx1"/>
+                </a:solidFill>
+                <a:latin typeface="Arial" panose="020B0604020202020204" pitchFamily="34" charset="0"/>
+              </a:defRPr>
+            </a:lvl3pPr>
+            <a:lvl4pPr eaLnBrk="0" fontAlgn="base" hangingPunct="0">
+              <a:spcBef>
+                <a:spcPct val="0"/>
+              </a:spcBef>
+              <a:spcAft>
+                <a:spcPct val="0"/>
+              </a:spcAft>
+              <a:defRPr>
+                <a:solidFill>
+                  <a:schemeClr val="tx1"/>
+                </a:solidFill>
+                <a:latin typeface="Arial" panose="020B0604020202020204" pitchFamily="34" charset="0"/>
+              </a:defRPr>
+            </a:lvl4pPr>
+            <a:lvl5pPr eaLnBrk="0" fontAlgn="base" hangingPunct="0">
+              <a:spcBef>
+                <a:spcPct val="0"/>
+              </a:spcBef>
+              <a:spcAft>
+                <a:spcPct val="0"/>
+              </a:spcAft>
+              <a:defRPr>
+                <a:solidFill>
+                  <a:schemeClr val="tx1"/>
+                </a:solidFill>
+                <a:latin typeface="Arial" panose="020B0604020202020204" pitchFamily="34" charset="0"/>
+              </a:defRPr>
+            </a:lvl5pPr>
+            <a:lvl6pPr eaLnBrk="0" fontAlgn="base" hangingPunct="0">
+              <a:spcBef>
+                <a:spcPct val="0"/>
+              </a:spcBef>
+              <a:spcAft>
+                <a:spcPct val="0"/>
+              </a:spcAft>
+              <a:defRPr>
+                <a:solidFill>
+                  <a:schemeClr val="tx1"/>
+                </a:solidFill>
+                <a:latin typeface="Arial" panose="020B0604020202020204" pitchFamily="34" charset="0"/>
+              </a:defRPr>
+            </a:lvl6pPr>
+            <a:lvl7pPr eaLnBrk="0" fontAlgn="base" hangingPunct="0">
+              <a:spcBef>
+                <a:spcPct val="0"/>
+              </a:spcBef>
+              <a:spcAft>
+                <a:spcPct val="0"/>
+              </a:spcAft>
+              <a:defRPr>
+                <a:solidFill>
+                  <a:schemeClr val="tx1"/>
+                </a:solidFill>
+                <a:latin typeface="Arial" panose="020B0604020202020204" pitchFamily="34" charset="0"/>
+              </a:defRPr>
+            </a:lvl7pPr>
+            <a:lvl8pPr eaLnBrk="0" fontAlgn="base" hangingPunct="0">
+              <a:spcBef>
+                <a:spcPct val="0"/>
+              </a:spcBef>
+              <a:spcAft>
+                <a:spcPct val="0"/>
+              </a:spcAft>
+              <a:defRPr>
+                <a:solidFill>
+                  <a:schemeClr val="tx1"/>
+                </a:solidFill>
+                <a:latin typeface="Arial" panose="020B0604020202020204" pitchFamily="34" charset="0"/>
+              </a:defRPr>
+            </a:lvl8pPr>
+            <a:lvl9pPr eaLnBrk="0" fontAlgn="base" hangingPunct="0">
+              <a:spcBef>
+                <a:spcPct val="0"/>
+              </a:spcBef>
+              <a:spcAft>
+                <a:spcPct val="0"/>
+              </a:spcAft>
+              <a:defRPr>
+                <a:solidFill>
+                  <a:schemeClr val="tx1"/>
+                </a:solidFill>
+                <a:latin typeface="Arial" panose="020B0604020202020204" pitchFamily="34" charset="0"/>
+              </a:defRPr>
+            </a:lvl9pPr>
+          </a:lstStyle>
+          <a:p>
+            <a:pPr marL="0" marR="0" lvl="0" indent="0" defTabSz="457200" eaLnBrk="1" fontAlgn="base" hangingPunct="1">
+              <a:lnSpc>
+                <a:spcPct val="100000"/>
+              </a:lnSpc>
+              <a:spcBef>
+                <a:spcPct val="0"/>
+              </a:spcBef>
+              <a:spcAft>
+                <a:spcPts val="1200"/>
+              </a:spcAft>
+              <a:buClrTx/>
+              <a:buSzTx/>
+              <a:buFontTx/>
+              <a:buNone/>
+              <a:tabLst/>
+            </a:pPr>
+            <a:r>
+              <a:rPr lang="es-ES" altLang="es-ES" sz="1200" b="1" dirty="0">
+                <a:latin typeface="-apple-system"/>
+              </a:rPr>
+              <a:t>1. Preprocesamiento de Datos</a:t>
+            </a:r>
+          </a:p>
+          <a:p>
+            <a:pPr marL="0" marR="0" lvl="0" indent="0" defTabSz="457200" eaLnBrk="1" fontAlgn="base" hangingPunct="1">
+              <a:lnSpc>
+                <a:spcPct val="100000"/>
+              </a:lnSpc>
+              <a:spcBef>
+                <a:spcPct val="0"/>
+              </a:spcBef>
+              <a:spcAft>
+                <a:spcPts val="1200"/>
+              </a:spcAft>
+              <a:buClrTx/>
+              <a:buSzTx/>
+              <a:buFontTx/>
+              <a:buChar char="•"/>
+              <a:tabLst/>
+            </a:pPr>
+            <a:r>
+              <a:rPr lang="es-ES" altLang="es-ES" sz="1200" dirty="0">
+                <a:latin typeface="-apple-system"/>
+              </a:rPr>
+              <a:t>Eliminación de valores nulos y variables irrelevantes.</a:t>
+            </a:r>
+          </a:p>
+          <a:p>
+            <a:pPr marL="0" marR="0" lvl="0" indent="0" defTabSz="457200" eaLnBrk="1" fontAlgn="base" hangingPunct="1">
+              <a:lnSpc>
+                <a:spcPct val="100000"/>
+              </a:lnSpc>
+              <a:spcBef>
+                <a:spcPct val="0"/>
+              </a:spcBef>
+              <a:spcAft>
+                <a:spcPts val="1200"/>
+              </a:spcAft>
+              <a:buClrTx/>
+              <a:buSzTx/>
+              <a:buFontTx/>
+              <a:buChar char="•"/>
+              <a:tabLst/>
+            </a:pPr>
+            <a:r>
+              <a:rPr lang="es-ES" altLang="es-ES" sz="1200" dirty="0">
+                <a:latin typeface="-apple-system"/>
+              </a:rPr>
+              <a:t>Escalado de variables con </a:t>
+            </a:r>
+            <a:r>
+              <a:rPr lang="es-ES" altLang="es-ES" sz="1200" dirty="0" err="1">
+                <a:latin typeface="-apple-system"/>
+              </a:rPr>
+              <a:t>StandardScaler</a:t>
+            </a:r>
+            <a:r>
+              <a:rPr lang="es-ES" altLang="es-ES" sz="1200" dirty="0">
+                <a:latin typeface="-apple-system"/>
+              </a:rPr>
+              <a:t>.</a:t>
+            </a:r>
+          </a:p>
+          <a:p>
+            <a:pPr marL="0" marR="0" lvl="0" indent="0" defTabSz="457200" eaLnBrk="1" fontAlgn="base" hangingPunct="1">
+              <a:lnSpc>
+                <a:spcPct val="100000"/>
+              </a:lnSpc>
+              <a:spcBef>
+                <a:spcPct val="0"/>
+              </a:spcBef>
+              <a:spcAft>
+                <a:spcPts val="1200"/>
+              </a:spcAft>
+              <a:buClrTx/>
+              <a:buSzTx/>
+              <a:buFontTx/>
+              <a:buChar char="•"/>
+              <a:tabLst/>
+            </a:pPr>
+            <a:r>
+              <a:rPr lang="es-ES" altLang="es-ES" sz="1200" dirty="0">
+                <a:latin typeface="-apple-system"/>
+              </a:rPr>
+              <a:t>Análisis exploratorio de distribuciones y correlaciones.</a:t>
+            </a:r>
+          </a:p>
+          <a:p>
+            <a:pPr marL="0" marR="0" lvl="0" indent="0" defTabSz="457200" eaLnBrk="1" fontAlgn="base" hangingPunct="1">
+              <a:lnSpc>
+                <a:spcPct val="100000"/>
+              </a:lnSpc>
+              <a:spcBef>
+                <a:spcPct val="0"/>
+              </a:spcBef>
+              <a:spcAft>
+                <a:spcPts val="1200"/>
+              </a:spcAft>
+              <a:buClrTx/>
+              <a:buSzTx/>
+              <a:buFontTx/>
+              <a:buNone/>
+              <a:tabLst/>
+            </a:pPr>
+            <a:r>
+              <a:rPr lang="es-ES" altLang="es-ES" sz="1200" b="1" dirty="0">
+                <a:latin typeface="-apple-system"/>
+              </a:rPr>
+              <a:t>2. Reducción de Dimensionalidad</a:t>
+            </a:r>
+          </a:p>
+          <a:p>
+            <a:pPr marL="0" marR="0" lvl="0" indent="0" defTabSz="457200" eaLnBrk="1" fontAlgn="base" hangingPunct="1">
+              <a:lnSpc>
+                <a:spcPct val="100000"/>
+              </a:lnSpc>
+              <a:spcBef>
+                <a:spcPct val="0"/>
+              </a:spcBef>
+              <a:spcAft>
+                <a:spcPts val="1200"/>
+              </a:spcAft>
+              <a:buClrTx/>
+              <a:buSzTx/>
+              <a:buFontTx/>
+              <a:buChar char="•"/>
+              <a:tabLst/>
+            </a:pPr>
+            <a:r>
+              <a:rPr lang="es-ES" altLang="es-ES" sz="1200" dirty="0">
+                <a:latin typeface="-apple-system"/>
+              </a:rPr>
+              <a:t>PCA (Principal </a:t>
+            </a:r>
+            <a:r>
+              <a:rPr lang="es-ES" altLang="es-ES" sz="1200" dirty="0" err="1">
+                <a:latin typeface="-apple-system"/>
+              </a:rPr>
+              <a:t>Component</a:t>
+            </a:r>
+            <a:r>
+              <a:rPr lang="es-ES" altLang="es-ES" sz="1200" dirty="0">
+                <a:latin typeface="-apple-system"/>
+              </a:rPr>
+              <a:t> </a:t>
+            </a:r>
+            <a:r>
+              <a:rPr lang="es-ES" altLang="es-ES" sz="1200" dirty="0" err="1">
+                <a:latin typeface="-apple-system"/>
+              </a:rPr>
+              <a:t>Analysis</a:t>
+            </a:r>
+            <a:r>
+              <a:rPr lang="es-ES" altLang="es-ES" sz="1200" dirty="0">
+                <a:latin typeface="-apple-system"/>
+              </a:rPr>
+              <a:t>): Reducción a dos componentes principales para facilitar visualización y uso de DBSCAN.</a:t>
+            </a:r>
+          </a:p>
+          <a:p>
+            <a:pPr marL="0" marR="0" lvl="0" indent="0" defTabSz="457200" eaLnBrk="1" fontAlgn="base" hangingPunct="1">
+              <a:lnSpc>
+                <a:spcPct val="100000"/>
+              </a:lnSpc>
+              <a:spcBef>
+                <a:spcPct val="0"/>
+              </a:spcBef>
+              <a:spcAft>
+                <a:spcPts val="1200"/>
+              </a:spcAft>
+              <a:buClrTx/>
+              <a:buSzTx/>
+              <a:buFontTx/>
+              <a:buChar char="•"/>
+              <a:tabLst/>
+            </a:pPr>
+            <a:r>
+              <a:rPr lang="es-ES" altLang="es-ES" sz="1200" dirty="0">
+                <a:latin typeface="-apple-system"/>
+              </a:rPr>
+              <a:t>t-SNE (t-</a:t>
+            </a:r>
+            <a:r>
+              <a:rPr lang="es-ES" altLang="es-ES" sz="1200" dirty="0" err="1">
+                <a:latin typeface="-apple-system"/>
+              </a:rPr>
+              <a:t>distributed</a:t>
+            </a:r>
+            <a:r>
+              <a:rPr lang="es-ES" altLang="es-ES" sz="1200" dirty="0">
+                <a:latin typeface="-apple-system"/>
+              </a:rPr>
+              <a:t> </a:t>
+            </a:r>
+            <a:r>
+              <a:rPr lang="es-ES" altLang="es-ES" sz="1200" dirty="0" err="1">
+                <a:latin typeface="-apple-system"/>
+              </a:rPr>
+              <a:t>Stochastic</a:t>
+            </a:r>
+            <a:r>
+              <a:rPr lang="es-ES" altLang="es-ES" sz="1200" dirty="0">
+                <a:latin typeface="-apple-system"/>
+              </a:rPr>
+              <a:t> </a:t>
+            </a:r>
+            <a:r>
+              <a:rPr lang="es-ES" altLang="es-ES" sz="1200" dirty="0" err="1">
+                <a:latin typeface="-apple-system"/>
+              </a:rPr>
+              <a:t>Neighbor</a:t>
+            </a:r>
+            <a:r>
+              <a:rPr lang="es-ES" altLang="es-ES" sz="1200" dirty="0">
+                <a:latin typeface="-apple-system"/>
+              </a:rPr>
+              <a:t> </a:t>
+            </a:r>
+            <a:r>
+              <a:rPr lang="es-ES" altLang="es-ES" sz="1200" dirty="0" err="1">
+                <a:latin typeface="-apple-system"/>
+              </a:rPr>
+              <a:t>Embedding</a:t>
+            </a:r>
+            <a:r>
+              <a:rPr lang="es-ES" altLang="es-ES" sz="1200" dirty="0">
+                <a:latin typeface="-apple-system"/>
+              </a:rPr>
+              <a:t>): Técnica no lineal para mejorar la visualización de agrupaciones de K-</a:t>
+            </a:r>
+            <a:r>
+              <a:rPr lang="es-ES" altLang="es-ES" sz="1200" dirty="0" err="1">
+                <a:latin typeface="-apple-system"/>
+              </a:rPr>
+              <a:t>Means</a:t>
+            </a:r>
+            <a:r>
+              <a:rPr lang="es-ES" altLang="es-ES" sz="1200" dirty="0">
+                <a:latin typeface="-apple-system"/>
+              </a:rPr>
+              <a:t>.</a:t>
+            </a:r>
+          </a:p>
+          <a:p>
+            <a:pPr marL="0" marR="0" lvl="0" indent="0" defTabSz="457200" eaLnBrk="1" fontAlgn="base" hangingPunct="1">
+              <a:lnSpc>
+                <a:spcPct val="100000"/>
+              </a:lnSpc>
+              <a:spcBef>
+                <a:spcPct val="0"/>
+              </a:spcBef>
+              <a:spcAft>
+                <a:spcPts val="1200"/>
+              </a:spcAft>
+              <a:buClrTx/>
+              <a:buSzTx/>
+              <a:buFontTx/>
+              <a:buNone/>
+              <a:tabLst/>
+            </a:pPr>
+            <a:r>
+              <a:rPr lang="es-ES" altLang="es-ES" sz="1200" b="1" dirty="0">
+                <a:latin typeface="-apple-system"/>
+              </a:rPr>
+              <a:t>3. Modelos de </a:t>
+            </a:r>
+            <a:r>
+              <a:rPr lang="es-ES" altLang="es-ES" sz="1200" b="1" dirty="0" err="1">
+                <a:latin typeface="-apple-system"/>
+              </a:rPr>
+              <a:t>Clustering</a:t>
+            </a:r>
+            <a:r>
+              <a:rPr lang="es-ES" altLang="es-ES" sz="1200" b="1" dirty="0">
+                <a:latin typeface="-apple-system"/>
+              </a:rPr>
+              <a:t> Aplicados</a:t>
+            </a:r>
+          </a:p>
+          <a:p>
+            <a:pPr marL="0" marR="0" lvl="0" indent="0" defTabSz="457200" eaLnBrk="1" fontAlgn="base" hangingPunct="1">
+              <a:lnSpc>
+                <a:spcPct val="100000"/>
+              </a:lnSpc>
+              <a:spcBef>
+                <a:spcPct val="0"/>
+              </a:spcBef>
+              <a:spcAft>
+                <a:spcPts val="1200"/>
+              </a:spcAft>
+              <a:buClrTx/>
+              <a:buSzTx/>
+              <a:buFontTx/>
+              <a:buChar char="•"/>
+              <a:tabLst/>
+            </a:pPr>
+            <a:r>
+              <a:rPr lang="es-ES" altLang="es-ES" sz="1200" dirty="0">
+                <a:latin typeface="-apple-system"/>
+              </a:rPr>
+              <a:t>K-</a:t>
+            </a:r>
+            <a:r>
+              <a:rPr lang="es-ES" altLang="es-ES" sz="1200" dirty="0" err="1">
+                <a:latin typeface="-apple-system"/>
+              </a:rPr>
+              <a:t>Means</a:t>
+            </a:r>
+            <a:r>
+              <a:rPr lang="es-ES" altLang="es-ES" sz="1200" dirty="0">
+                <a:latin typeface="-apple-system"/>
+              </a:rPr>
+              <a:t>: Se evaluaron valores de k entre 2 y 4. Se seleccionó k = 3 como óptimo utilizando el </a:t>
+            </a:r>
+            <a:r>
+              <a:rPr lang="es-ES" altLang="es-ES" sz="1200" dirty="0" err="1">
+                <a:latin typeface="-apple-system"/>
+              </a:rPr>
+              <a:t>Silhouette</a:t>
+            </a:r>
+            <a:r>
+              <a:rPr lang="es-ES" altLang="es-ES" sz="1200" dirty="0">
+                <a:latin typeface="-apple-system"/>
+              </a:rPr>
+              <a:t> Score.</a:t>
+            </a:r>
+          </a:p>
+          <a:p>
+            <a:pPr marL="0" marR="0" lvl="0" indent="0" defTabSz="457200" eaLnBrk="1" fontAlgn="base" hangingPunct="1">
+              <a:lnSpc>
+                <a:spcPct val="100000"/>
+              </a:lnSpc>
+              <a:spcBef>
+                <a:spcPct val="0"/>
+              </a:spcBef>
+              <a:spcAft>
+                <a:spcPts val="1200"/>
+              </a:spcAft>
+              <a:buClrTx/>
+              <a:buSzTx/>
+              <a:buFontTx/>
+              <a:buChar char="•"/>
+              <a:tabLst/>
+            </a:pPr>
+            <a:r>
+              <a:rPr lang="es-ES" altLang="es-ES" sz="1200" dirty="0">
+                <a:latin typeface="-apple-system"/>
+              </a:rPr>
+              <a:t>DBSCAN: Aplicado sobre los datos reducidos por PCA. Detecta grupos de forma libre y puntos de ruido sin necesidad de fijar k.</a:t>
+            </a:r>
+          </a:p>
+          <a:p>
+            <a:pPr marL="0" marR="0" lvl="0" indent="0" algn="l" defTabSz="914400" rtl="0" eaLnBrk="0" fontAlgn="base" latinLnBrk="0" hangingPunct="0">
+              <a:lnSpc>
+                <a:spcPct val="100000"/>
+              </a:lnSpc>
+              <a:spcBef>
+                <a:spcPct val="0"/>
+              </a:spcBef>
+              <a:spcAft>
+                <a:spcPct val="0"/>
+              </a:spcAft>
+              <a:buClrTx/>
+              <a:buSzTx/>
+              <a:buFontTx/>
+              <a:buNone/>
+              <a:tabLst/>
+            </a:pPr>
+            <a:endParaRPr lang="es-ES" altLang="es-ES" sz="1200" dirty="0"/>
+          </a:p>
+        </p:txBody>
+      </p:sp>
+    </p:spTree>
+    <p:extLst>
+      <p:ext uri="{BB962C8B-B14F-4D97-AF65-F5344CB8AC3E}">
+        <p14:creationId xmlns:p14="http://schemas.microsoft.com/office/powerpoint/2010/main" val="715369339"/>
+      </p:ext>
+    </p:extLst>
+  </p:cSld>
+  <p:clrMapOvr>
+    <a:masterClrMapping/>
+  </p:clrMapOvr>
+</p:sld>
+</file>
+
+<file path=ppt/slides/slide6.xml><?xml version="1.0" encoding="utf-8"?>
+<p:sld xmlns:a="http://schemas.openxmlformats.org/drawingml/2006/main" xmlns:r="http://schemas.openxmlformats.org/officeDocument/2006/relationships" xmlns:p="http://schemas.openxmlformats.org/presentationml/2006/main">
+  <p:cSld>
+    <p:spTree>
+      <p:nvGrpSpPr>
+        <p:cNvPr id="1" name=""/>
+        <p:cNvGrpSpPr/>
+        <p:nvPr/>
+      </p:nvGrpSpPr>
+      <p:grpSpPr>
+        <a:xfrm>
+          <a:off x="0" y="0"/>
+          <a:ext cx="0" cy="0"/>
+          <a:chOff x="0" y="0"/>
+          <a:chExt cx="0" cy="0"/>
+        </a:xfrm>
+      </p:grpSpPr>
+      <p:sp>
+        <p:nvSpPr>
+          <p:cNvPr id="2" name="Title 1">
+            <a:extLst>
+              <a:ext uri="{FF2B5EF4-FFF2-40B4-BE49-F238E27FC236}">
+                <a16:creationId xmlns:a16="http://schemas.microsoft.com/office/drawing/2014/main" id="{8D945C7A-FCD7-2B15-8E78-94AC76F0F537}"/>
+              </a:ext>
+            </a:extLst>
+          </p:cNvPr>
+          <p:cNvSpPr>
+            <a:spLocks noGrp="1"/>
+          </p:cNvSpPr>
+          <p:nvPr>
+            <p:ph type="title"/>
+          </p:nvPr>
+        </p:nvSpPr>
+        <p:spPr/>
+        <p:txBody>
+          <a:bodyPr/>
+          <a:lstStyle/>
+          <a:p>
+            <a:pPr>
+              <a:spcAft>
+                <a:spcPts val="1200"/>
+              </a:spcAft>
+            </a:pPr>
+            <a:r>
+              <a:rPr lang="es-ES" dirty="0"/>
+              <a:t>Análisis Comparativo entre Modelos</a:t>
+            </a:r>
+          </a:p>
+        </p:txBody>
+      </p:sp>
+      <p:pic>
+        <p:nvPicPr>
+          <p:cNvPr id="5" name="Picture 4">
+            <a:extLst>
+              <a:ext uri="{FF2B5EF4-FFF2-40B4-BE49-F238E27FC236}">
+                <a16:creationId xmlns:a16="http://schemas.microsoft.com/office/drawing/2014/main" id="{7FC75CB5-48D1-857B-9E49-1DEAD43B61AC}"/>
+              </a:ext>
+            </a:extLst>
+          </p:cNvPr>
+          <p:cNvPicPr>
+            <a:picLocks noChangeAspect="1"/>
+          </p:cNvPicPr>
+          <p:nvPr/>
+        </p:nvPicPr>
+        <p:blipFill>
+          <a:blip r:embed="rId2"/>
+          <a:stretch>
+            <a:fillRect/>
+          </a:stretch>
+        </p:blipFill>
+        <p:spPr>
+          <a:xfrm>
+            <a:off x="1266151" y="3091061"/>
+            <a:ext cx="9659698" cy="2314898"/>
+          </a:xfrm>
+          <a:prstGeom prst="rect">
+            <a:avLst/>
+          </a:prstGeom>
+        </p:spPr>
+      </p:pic>
+    </p:spTree>
+    <p:extLst>
+      <p:ext uri="{BB962C8B-B14F-4D97-AF65-F5344CB8AC3E}">
+        <p14:creationId xmlns:p14="http://schemas.microsoft.com/office/powerpoint/2010/main" val="879422588"/>
+      </p:ext>
+    </p:extLst>
+  </p:cSld>
+  <p:clrMapOvr>
+    <a:masterClrMapping/>
+  </p:clrMapOvr>
+</p:sld>
+</file>
+
+<file path=ppt/slides/slide7.xml><?xml version="1.0" encoding="utf-8"?>
 <p:sld xmlns:a="http://schemas.openxmlformats.org/drawingml/2006/main" xmlns:r="http://schemas.openxmlformats.org/officeDocument/2006/relationships" xmlns:p="http://schemas.openxmlformats.org/presentationml/2006/main">
   <p:cSld>
     <p:spTree>
@@ -12570,7 +14554,7 @@
 </p:sld>
 </file>
 
-<file path=ppt/slides/slide4.xml><?xml version="1.0" encoding="utf-8"?>
+<file path=ppt/slides/slide8.xml><?xml version="1.0" encoding="utf-8"?>
 <p:sld xmlns:a="http://schemas.openxmlformats.org/drawingml/2006/main" xmlns:r="http://schemas.openxmlformats.org/officeDocument/2006/relationships" xmlns:p="http://schemas.openxmlformats.org/presentationml/2006/main">
   <p:cSld>
     <p:spTree>
@@ -12840,7 +14824,7 @@
 </p:sld>
 </file>
 
-<file path=ppt/slides/slide5.xml><?xml version="1.0" encoding="utf-8"?>
+<file path=ppt/slides/slide9.xml><?xml version="1.0" encoding="utf-8"?>
 <p:sld xmlns:a="http://schemas.openxmlformats.org/drawingml/2006/main" xmlns:r="http://schemas.openxmlformats.org/officeDocument/2006/relationships" xmlns:p="http://schemas.openxmlformats.org/presentationml/2006/main">
   <p:cSld>
     <p:spTree>
@@ -13038,851 +15022,6 @@
     <p:extLst>
       <p:ext uri="{BB962C8B-B14F-4D97-AF65-F5344CB8AC3E}">
         <p14:creationId xmlns:p14="http://schemas.microsoft.com/office/powerpoint/2010/main" val="2932814244"/>
-      </p:ext>
-    </p:extLst>
-  </p:cSld>
-  <p:clrMapOvr>
-    <a:masterClrMapping/>
-  </p:clrMapOvr>
-</p:sld>
-</file>
-
-<file path=ppt/slides/slide6.xml><?xml version="1.0" encoding="utf-8"?>
-<p:sld xmlns:a="http://schemas.openxmlformats.org/drawingml/2006/main" xmlns:r="http://schemas.openxmlformats.org/officeDocument/2006/relationships" xmlns:p="http://schemas.openxmlformats.org/presentationml/2006/main">
-  <p:cSld>
-    <p:spTree>
-      <p:nvGrpSpPr>
-        <p:cNvPr id="1" name=""/>
-        <p:cNvGrpSpPr/>
-        <p:nvPr/>
-      </p:nvGrpSpPr>
-      <p:grpSpPr>
-        <a:xfrm>
-          <a:off x="0" y="0"/>
-          <a:ext cx="0" cy="0"/>
-          <a:chOff x="0" y="0"/>
-          <a:chExt cx="0" cy="0"/>
-        </a:xfrm>
-      </p:grpSpPr>
-      <p:sp>
-        <p:nvSpPr>
-          <p:cNvPr id="2" name="Title 1">
-            <a:extLst>
-              <a:ext uri="{FF2B5EF4-FFF2-40B4-BE49-F238E27FC236}">
-                <a16:creationId xmlns:a16="http://schemas.microsoft.com/office/drawing/2014/main" id="{101697C3-7ABD-54D8-30E6-336E048EB207}"/>
-              </a:ext>
-            </a:extLst>
-          </p:cNvPr>
-          <p:cNvSpPr>
-            <a:spLocks noGrp="1"/>
-          </p:cNvSpPr>
-          <p:nvPr>
-            <p:ph type="title"/>
-          </p:nvPr>
-        </p:nvSpPr>
-        <p:spPr>
-          <a:xfrm>
-            <a:off x="2231136" y="405892"/>
-            <a:ext cx="7729728" cy="1188720"/>
-          </a:xfrm>
-        </p:spPr>
-        <p:txBody>
-          <a:bodyPr/>
-          <a:lstStyle/>
-          <a:p>
-            <a:r>
-              <a:rPr lang="es-ES" dirty="0"/>
-              <a:t>Análisis Exploratorio (EDA)</a:t>
-            </a:r>
-          </a:p>
-        </p:txBody>
-      </p:sp>
-      <p:pic>
-        <p:nvPicPr>
-          <p:cNvPr id="5" name="Content Placeholder 4">
-            <a:extLst>
-              <a:ext uri="{FF2B5EF4-FFF2-40B4-BE49-F238E27FC236}">
-                <a16:creationId xmlns:a16="http://schemas.microsoft.com/office/drawing/2014/main" id="{627A26B5-FB4D-304D-0E25-93A4FD63E6D1}"/>
-              </a:ext>
-            </a:extLst>
-          </p:cNvPr>
-          <p:cNvPicPr>
-            <a:picLocks noGrp="1" noChangeAspect="1"/>
-          </p:cNvPicPr>
-          <p:nvPr>
-            <p:ph idx="1"/>
-          </p:nvPr>
-        </p:nvPicPr>
-        <p:blipFill>
-          <a:blip r:embed="rId2">
-            <a:extLst>
-              <a:ext uri="{28A0092B-C50C-407E-A947-70E740481C1C}">
-                <a14:useLocalDpi xmlns:a14="http://schemas.microsoft.com/office/drawing/2010/main" val="0"/>
-              </a:ext>
-            </a:extLst>
-          </a:blip>
-          <a:stretch>
-            <a:fillRect/>
-          </a:stretch>
-        </p:blipFill>
-        <p:spPr>
-          <a:xfrm>
-            <a:off x="330200" y="1759493"/>
-            <a:ext cx="5765800" cy="4324351"/>
-          </a:xfrm>
-        </p:spPr>
-      </p:pic>
-      <p:sp>
-        <p:nvSpPr>
-          <p:cNvPr id="7" name="TextBox 6">
-            <a:extLst>
-              <a:ext uri="{FF2B5EF4-FFF2-40B4-BE49-F238E27FC236}">
-                <a16:creationId xmlns:a16="http://schemas.microsoft.com/office/drawing/2014/main" id="{65B9FD0F-B713-1387-2DD6-42C7C93C9D6D}"/>
-              </a:ext>
-            </a:extLst>
-          </p:cNvPr>
-          <p:cNvSpPr txBox="1"/>
-          <p:nvPr/>
-        </p:nvSpPr>
-        <p:spPr>
-          <a:xfrm>
-            <a:off x="6096000" y="2096291"/>
-            <a:ext cx="5207000" cy="3231654"/>
-          </a:xfrm>
-          <a:prstGeom prst="rect">
-            <a:avLst/>
-          </a:prstGeom>
-          <a:noFill/>
-        </p:spPr>
-        <p:txBody>
-          <a:bodyPr wrap="square">
-            <a:spAutoFit/>
-          </a:bodyPr>
-          <a:lstStyle/>
-          <a:p>
-            <a:pPr algn="l">
-              <a:buNone/>
-            </a:pPr>
-            <a:r>
-              <a:rPr lang="es-ES" sz="1200" b="0" i="0" dirty="0">
-                <a:effectLst/>
-                <a:latin typeface="system-ui"/>
-              </a:rPr>
-              <a:t>Este gráfico muestra una versión refinada de la matriz de correlación, en la que solo se incluyen las correlaciones con una magnitud igual o superior a 0.25. Además, se han agregado indicadores visuales (★) para destacar la intensidad de cada correlación:</a:t>
-            </a:r>
-          </a:p>
-          <a:p>
-            <a:pPr algn="l">
-              <a:buFont typeface="Arial" panose="020B0604020202020204" pitchFamily="34" charset="0"/>
-              <a:buChar char="•"/>
-            </a:pPr>
-            <a:r>
-              <a:rPr lang="es-ES" sz="1200" b="0" i="0" dirty="0">
-                <a:effectLst/>
-                <a:latin typeface="system-ui"/>
-              </a:rPr>
-              <a:t>⭐ para correlaciones con valor absoluto mayor a 0.40</a:t>
-            </a:r>
-          </a:p>
-          <a:p>
-            <a:pPr algn="l">
-              <a:buFont typeface="Arial" panose="020B0604020202020204" pitchFamily="34" charset="0"/>
-              <a:buChar char="•"/>
-            </a:pPr>
-            <a:r>
-              <a:rPr lang="es-ES" sz="1200" b="0" i="0" dirty="0">
-                <a:effectLst/>
-                <a:latin typeface="system-ui"/>
-              </a:rPr>
-              <a:t>⭐⭐ para correlaciones mayores a 0.75</a:t>
-            </a:r>
-          </a:p>
-          <a:p>
-            <a:pPr algn="l">
-              <a:buFont typeface="Arial" panose="020B0604020202020204" pitchFamily="34" charset="0"/>
-              <a:buChar char="•"/>
-            </a:pPr>
-            <a:r>
-              <a:rPr lang="es-ES" sz="1200" b="0" i="0" dirty="0">
-                <a:effectLst/>
-                <a:latin typeface="system-ui"/>
-              </a:rPr>
-              <a:t>⭐⭐⭐ para correlaciones muy altas, mayores a 0.90</a:t>
-            </a:r>
-          </a:p>
-          <a:p>
-            <a:pPr algn="l">
-              <a:buNone/>
-            </a:pPr>
-            <a:r>
-              <a:rPr lang="es-ES" sz="1200" b="0" i="0" dirty="0">
-                <a:effectLst/>
-                <a:latin typeface="system-ui"/>
-              </a:rPr>
-              <a:t>El objetivo de este enfoque es enfocar el análisis en las relaciones más significativas, eliminando valores irrelevantes que podrían dificultar la interpretación.</a:t>
-            </a:r>
-          </a:p>
-          <a:p>
-            <a:pPr algn="l">
-              <a:buNone/>
-            </a:pPr>
-            <a:r>
-              <a:rPr lang="es-ES" sz="1200" b="0" i="0" dirty="0">
-                <a:effectLst/>
-                <a:latin typeface="system-ui"/>
-              </a:rPr>
-              <a:t>También se eliminaron filas y columnas sin valores relevantes para mejorar la claridad del gráfico.</a:t>
-            </a:r>
-          </a:p>
-          <a:p>
-            <a:pPr algn="l">
-              <a:buNone/>
-            </a:pPr>
-            <a:r>
-              <a:rPr lang="es-ES" sz="1200" b="0" i="0" dirty="0">
-                <a:effectLst/>
-                <a:latin typeface="system-ui"/>
-              </a:rPr>
-              <a:t>Este tipo de visualización es ideal cuando se quiere:</a:t>
-            </a:r>
-          </a:p>
-          <a:p>
-            <a:pPr algn="l">
-              <a:buFont typeface="Arial" panose="020B0604020202020204" pitchFamily="34" charset="0"/>
-              <a:buChar char="•"/>
-            </a:pPr>
-            <a:r>
-              <a:rPr lang="es-ES" sz="1200" b="0" i="0" dirty="0">
-                <a:effectLst/>
-                <a:latin typeface="system-ui"/>
-              </a:rPr>
-              <a:t>Identificar variables altamente relacionadas que podrían estar capturando la misma información.</a:t>
-            </a:r>
-          </a:p>
-          <a:p>
-            <a:pPr algn="l">
-              <a:buFont typeface="Arial" panose="020B0604020202020204" pitchFamily="34" charset="0"/>
-              <a:buChar char="•"/>
-            </a:pPr>
-            <a:r>
-              <a:rPr lang="es-ES" sz="1200" b="0" i="0" dirty="0">
-                <a:effectLst/>
-                <a:latin typeface="system-ui"/>
-              </a:rPr>
-              <a:t>Detectar posibles problemas de colinealidad.</a:t>
-            </a:r>
-          </a:p>
-          <a:p>
-            <a:pPr algn="l">
-              <a:buFont typeface="Arial" panose="020B0604020202020204" pitchFamily="34" charset="0"/>
-              <a:buChar char="•"/>
-            </a:pPr>
-            <a:r>
-              <a:rPr lang="es-ES" sz="1200" b="0" i="0" dirty="0">
-                <a:effectLst/>
-                <a:latin typeface="system-ui"/>
-              </a:rPr>
-              <a:t>Seleccionar variables clave para modelos predictivos o descriptivos.</a:t>
-            </a:r>
-          </a:p>
-        </p:txBody>
-      </p:sp>
-    </p:spTree>
-    <p:extLst>
-      <p:ext uri="{BB962C8B-B14F-4D97-AF65-F5344CB8AC3E}">
-        <p14:creationId xmlns:p14="http://schemas.microsoft.com/office/powerpoint/2010/main" val="655031259"/>
-      </p:ext>
-    </p:extLst>
-  </p:cSld>
-  <p:clrMapOvr>
-    <a:masterClrMapping/>
-  </p:clrMapOvr>
-</p:sld>
-</file>
-
-<file path=ppt/slides/slide7.xml><?xml version="1.0" encoding="utf-8"?>
-<p:sld xmlns:a="http://schemas.openxmlformats.org/drawingml/2006/main" xmlns:r="http://schemas.openxmlformats.org/officeDocument/2006/relationships" xmlns:p="http://schemas.openxmlformats.org/presentationml/2006/main">
-  <p:cSld>
-    <p:spTree>
-      <p:nvGrpSpPr>
-        <p:cNvPr id="1" name=""/>
-        <p:cNvGrpSpPr/>
-        <p:nvPr/>
-      </p:nvGrpSpPr>
-      <p:grpSpPr>
-        <a:xfrm>
-          <a:off x="0" y="0"/>
-          <a:ext cx="0" cy="0"/>
-          <a:chOff x="0" y="0"/>
-          <a:chExt cx="0" cy="0"/>
-        </a:xfrm>
-      </p:grpSpPr>
-      <p:sp>
-        <p:nvSpPr>
-          <p:cNvPr id="2" name="Title 1">
-            <a:extLst>
-              <a:ext uri="{FF2B5EF4-FFF2-40B4-BE49-F238E27FC236}">
-                <a16:creationId xmlns:a16="http://schemas.microsoft.com/office/drawing/2014/main" id="{75DAA35B-39CB-217F-6E9C-FB61F1AD1A9D}"/>
-              </a:ext>
-            </a:extLst>
-          </p:cNvPr>
-          <p:cNvSpPr>
-            <a:spLocks noGrp="1"/>
-          </p:cNvSpPr>
-          <p:nvPr>
-            <p:ph type="title"/>
-          </p:nvPr>
-        </p:nvSpPr>
-        <p:spPr>
-          <a:xfrm>
-            <a:off x="2231136" y="388958"/>
-            <a:ext cx="7729728" cy="1188720"/>
-          </a:xfrm>
-        </p:spPr>
-        <p:txBody>
-          <a:bodyPr/>
-          <a:lstStyle/>
-          <a:p>
-            <a:r>
-              <a:rPr lang="es-ES" dirty="0"/>
-              <a:t>Preprocesamiento y Modelado de </a:t>
-            </a:r>
-            <a:r>
-              <a:rPr lang="es-ES" dirty="0" err="1"/>
-              <a:t>Clustering</a:t>
-            </a:r>
-            <a:r>
-              <a:rPr lang="es-ES" dirty="0"/>
-              <a:t> (K-</a:t>
-            </a:r>
-            <a:r>
-              <a:rPr lang="es-ES" dirty="0" err="1"/>
-              <a:t>Means</a:t>
-            </a:r>
-            <a:r>
-              <a:rPr lang="es-ES" dirty="0"/>
-              <a:t>)</a:t>
-            </a:r>
-          </a:p>
-        </p:txBody>
-      </p:sp>
-      <p:pic>
-        <p:nvPicPr>
-          <p:cNvPr id="5" name="Picture 4">
-            <a:extLst>
-              <a:ext uri="{FF2B5EF4-FFF2-40B4-BE49-F238E27FC236}">
-                <a16:creationId xmlns:a16="http://schemas.microsoft.com/office/drawing/2014/main" id="{A4721A12-9CF9-1DC0-46EC-0D919FC0251F}"/>
-              </a:ext>
-            </a:extLst>
-          </p:cNvPr>
-          <p:cNvPicPr>
-            <a:picLocks noChangeAspect="1"/>
-          </p:cNvPicPr>
-          <p:nvPr/>
-        </p:nvPicPr>
-        <p:blipFill>
-          <a:blip r:embed="rId2">
-            <a:extLst>
-              <a:ext uri="{28A0092B-C50C-407E-A947-70E740481C1C}">
-                <a14:useLocalDpi xmlns:a14="http://schemas.microsoft.com/office/drawing/2010/main" val="0"/>
-              </a:ext>
-            </a:extLst>
-          </a:blip>
-          <a:stretch>
-            <a:fillRect/>
-          </a:stretch>
-        </p:blipFill>
-        <p:spPr>
-          <a:xfrm>
-            <a:off x="774869" y="1786000"/>
-            <a:ext cx="4381331" cy="3285998"/>
-          </a:xfrm>
-          <a:prstGeom prst="rect">
-            <a:avLst/>
-          </a:prstGeom>
-        </p:spPr>
-      </p:pic>
-      <p:sp>
-        <p:nvSpPr>
-          <p:cNvPr id="7" name="TextBox 6">
-            <a:extLst>
-              <a:ext uri="{FF2B5EF4-FFF2-40B4-BE49-F238E27FC236}">
-                <a16:creationId xmlns:a16="http://schemas.microsoft.com/office/drawing/2014/main" id="{099BA3BE-2B0F-66DF-2637-4BC0847AA6D2}"/>
-              </a:ext>
-            </a:extLst>
-          </p:cNvPr>
-          <p:cNvSpPr txBox="1"/>
-          <p:nvPr/>
-        </p:nvSpPr>
-        <p:spPr>
-          <a:xfrm>
-            <a:off x="774869" y="5424253"/>
-            <a:ext cx="7262199" cy="1200329"/>
-          </a:xfrm>
-          <a:prstGeom prst="rect">
-            <a:avLst/>
-          </a:prstGeom>
-          <a:noFill/>
-        </p:spPr>
-        <p:txBody>
-          <a:bodyPr wrap="square">
-            <a:spAutoFit/>
-          </a:bodyPr>
-          <a:lstStyle/>
-          <a:p>
-            <a:pPr marL="171450" indent="-171450">
-              <a:buFont typeface="Arial" panose="020B0604020202020204" pitchFamily="34" charset="0"/>
-              <a:buChar char="•"/>
-            </a:pPr>
-            <a:r>
-              <a:rPr lang="es-ES" sz="1200" b="0" i="0" dirty="0">
-                <a:effectLst/>
-                <a:latin typeface="system-ui"/>
-              </a:rPr>
-              <a:t>Escalar las variables numéricas.</a:t>
-            </a:r>
-          </a:p>
-          <a:p>
-            <a:pPr marL="171450" indent="-171450">
-              <a:buFont typeface="Arial" panose="020B0604020202020204" pitchFamily="34" charset="0"/>
-              <a:buChar char="•"/>
-            </a:pPr>
-            <a:endParaRPr lang="es-ES" sz="1200" dirty="0">
-              <a:latin typeface="system-ui"/>
-            </a:endParaRPr>
-          </a:p>
-          <a:p>
-            <a:pPr marL="171450" indent="-171450">
-              <a:buFont typeface="Arial" panose="020B0604020202020204" pitchFamily="34" charset="0"/>
-              <a:buChar char="•"/>
-            </a:pPr>
-            <a:r>
-              <a:rPr lang="es-ES" sz="1200" dirty="0">
-                <a:latin typeface="system-ui"/>
-              </a:rPr>
-              <a:t>E</a:t>
-            </a:r>
-            <a:r>
-              <a:rPr lang="es-ES" sz="1200" b="0" i="0" dirty="0">
-                <a:effectLst/>
-                <a:latin typeface="system-ui"/>
-              </a:rPr>
-              <a:t>l gráfico del codo sugiere que el número óptimo de </a:t>
-            </a:r>
-            <a:r>
-              <a:rPr lang="es-ES" sz="1200" b="0" i="0" dirty="0" err="1">
-                <a:effectLst/>
-                <a:latin typeface="system-ui"/>
-              </a:rPr>
-              <a:t>clusters</a:t>
-            </a:r>
-            <a:r>
-              <a:rPr lang="es-ES" sz="1200" b="0" i="0" dirty="0">
-                <a:effectLst/>
-                <a:latin typeface="system-ui"/>
-              </a:rPr>
-              <a:t> podría estar entre 3 y 4. Sin embargo, para tomar una decisión más fundamentada, se evaluará el rendimiento utilizando el </a:t>
-            </a:r>
-            <a:r>
-              <a:rPr lang="es-ES" sz="1200" b="0" i="0" dirty="0" err="1">
-                <a:effectLst/>
-                <a:latin typeface="system-ui"/>
-              </a:rPr>
-              <a:t>Silhouette</a:t>
-            </a:r>
-            <a:r>
-              <a:rPr lang="es-ES" sz="1200" b="0" i="0" dirty="0">
-                <a:effectLst/>
-                <a:latin typeface="system-ui"/>
-              </a:rPr>
-              <a:t>. Esta métrica permitirá medir qué tan bien definidos están los grupos formados, ayudando a identificar cuál de las opciones proporciona una segmentación más coherente y significativa.</a:t>
-            </a:r>
-          </a:p>
-        </p:txBody>
-      </p:sp>
-      <p:pic>
-        <p:nvPicPr>
-          <p:cNvPr id="11" name="Picture 10">
-            <a:extLst>
-              <a:ext uri="{FF2B5EF4-FFF2-40B4-BE49-F238E27FC236}">
-                <a16:creationId xmlns:a16="http://schemas.microsoft.com/office/drawing/2014/main" id="{8BDB5D5F-0B5D-9511-65D7-37141B6A85A8}"/>
-              </a:ext>
-            </a:extLst>
-          </p:cNvPr>
-          <p:cNvPicPr>
-            <a:picLocks noChangeAspect="1"/>
-          </p:cNvPicPr>
-          <p:nvPr/>
-        </p:nvPicPr>
-        <p:blipFill>
-          <a:blip r:embed="rId3">
-            <a:extLst>
-              <a:ext uri="{28A0092B-C50C-407E-A947-70E740481C1C}">
-                <a14:useLocalDpi xmlns:a14="http://schemas.microsoft.com/office/drawing/2010/main" val="0"/>
-              </a:ext>
-            </a:extLst>
-          </a:blip>
-          <a:stretch>
-            <a:fillRect/>
-          </a:stretch>
-        </p:blipFill>
-        <p:spPr>
-          <a:xfrm>
-            <a:off x="6163733" y="1786000"/>
-            <a:ext cx="4381331" cy="3285998"/>
-          </a:xfrm>
-          <a:prstGeom prst="rect">
-            <a:avLst/>
-          </a:prstGeom>
-        </p:spPr>
-      </p:pic>
-    </p:spTree>
-    <p:extLst>
-      <p:ext uri="{BB962C8B-B14F-4D97-AF65-F5344CB8AC3E}">
-        <p14:creationId xmlns:p14="http://schemas.microsoft.com/office/powerpoint/2010/main" val="562536714"/>
-      </p:ext>
-    </p:extLst>
-  </p:cSld>
-  <p:clrMapOvr>
-    <a:masterClrMapping/>
-  </p:clrMapOvr>
-</p:sld>
-</file>
-
-<file path=ppt/slides/slide8.xml><?xml version="1.0" encoding="utf-8"?>
-<p:sld xmlns:a="http://schemas.openxmlformats.org/drawingml/2006/main" xmlns:r="http://schemas.openxmlformats.org/officeDocument/2006/relationships" xmlns:p="http://schemas.openxmlformats.org/presentationml/2006/main">
-  <p:cSld>
-    <p:spTree>
-      <p:nvGrpSpPr>
-        <p:cNvPr id="1" name=""/>
-        <p:cNvGrpSpPr/>
-        <p:nvPr/>
-      </p:nvGrpSpPr>
-      <p:grpSpPr>
-        <a:xfrm>
-          <a:off x="0" y="0"/>
-          <a:ext cx="0" cy="0"/>
-          <a:chOff x="0" y="0"/>
-          <a:chExt cx="0" cy="0"/>
-        </a:xfrm>
-      </p:grpSpPr>
-      <p:sp>
-        <p:nvSpPr>
-          <p:cNvPr id="2" name="Title 1">
-            <a:extLst>
-              <a:ext uri="{FF2B5EF4-FFF2-40B4-BE49-F238E27FC236}">
-                <a16:creationId xmlns:a16="http://schemas.microsoft.com/office/drawing/2014/main" id="{1DDEA3BC-3215-03B1-8B1E-AEE0F6C9BC03}"/>
-              </a:ext>
-            </a:extLst>
-          </p:cNvPr>
-          <p:cNvSpPr>
-            <a:spLocks noGrp="1"/>
-          </p:cNvSpPr>
-          <p:nvPr>
-            <p:ph type="title"/>
-          </p:nvPr>
-        </p:nvSpPr>
-        <p:spPr>
-          <a:xfrm>
-            <a:off x="2231136" y="473879"/>
-            <a:ext cx="7729728" cy="1188720"/>
-          </a:xfrm>
-        </p:spPr>
-        <p:txBody>
-          <a:bodyPr/>
-          <a:lstStyle/>
-          <a:p>
-            <a:r>
-              <a:rPr lang="es-ES" dirty="0"/>
-              <a:t>Preprocesamiento y Modelado de </a:t>
-            </a:r>
-            <a:r>
-              <a:rPr lang="es-ES" dirty="0" err="1"/>
-              <a:t>Clustering</a:t>
-            </a:r>
-            <a:r>
-              <a:rPr lang="es-ES" dirty="0"/>
-              <a:t> (K-</a:t>
-            </a:r>
-            <a:r>
-              <a:rPr lang="es-ES" dirty="0" err="1"/>
-              <a:t>Means</a:t>
-            </a:r>
-            <a:r>
-              <a:rPr lang="es-ES" dirty="0"/>
-              <a:t>)</a:t>
-            </a:r>
-          </a:p>
-        </p:txBody>
-      </p:sp>
-      <p:sp>
-        <p:nvSpPr>
-          <p:cNvPr id="3" name="Content Placeholder 2">
-            <a:extLst>
-              <a:ext uri="{FF2B5EF4-FFF2-40B4-BE49-F238E27FC236}">
-                <a16:creationId xmlns:a16="http://schemas.microsoft.com/office/drawing/2014/main" id="{1099BD08-FCB7-0907-F9E7-6E071E2419D4}"/>
-              </a:ext>
-            </a:extLst>
-          </p:cNvPr>
-          <p:cNvSpPr>
-            <a:spLocks noGrp="1"/>
-          </p:cNvSpPr>
-          <p:nvPr>
-            <p:ph idx="1"/>
-          </p:nvPr>
-        </p:nvSpPr>
-        <p:spPr>
-          <a:xfrm>
-            <a:off x="2231136" y="1813197"/>
-            <a:ext cx="7729728" cy="396408"/>
-          </a:xfrm>
-        </p:spPr>
-        <p:txBody>
-          <a:bodyPr/>
-          <a:lstStyle/>
-          <a:p>
-            <a:r>
-              <a:rPr lang="es-ES" dirty="0"/>
-              <a:t>Visualización de </a:t>
-            </a:r>
-            <a:r>
-              <a:rPr lang="es-ES" dirty="0" err="1"/>
-              <a:t>clusters</a:t>
-            </a:r>
-            <a:endParaRPr lang="es-ES" dirty="0"/>
-          </a:p>
-        </p:txBody>
-      </p:sp>
-      <p:pic>
-        <p:nvPicPr>
-          <p:cNvPr id="5" name="Picture 4">
-            <a:extLst>
-              <a:ext uri="{FF2B5EF4-FFF2-40B4-BE49-F238E27FC236}">
-                <a16:creationId xmlns:a16="http://schemas.microsoft.com/office/drawing/2014/main" id="{B0DE87BE-1A16-12BC-EF91-3883C7208672}"/>
-              </a:ext>
-            </a:extLst>
-          </p:cNvPr>
-          <p:cNvPicPr>
-            <a:picLocks noChangeAspect="1"/>
-          </p:cNvPicPr>
-          <p:nvPr/>
-        </p:nvPicPr>
-        <p:blipFill>
-          <a:blip r:embed="rId2">
-            <a:extLst>
-              <a:ext uri="{28A0092B-C50C-407E-A947-70E740481C1C}">
-                <a14:useLocalDpi xmlns:a14="http://schemas.microsoft.com/office/drawing/2010/main" val="0"/>
-              </a:ext>
-            </a:extLst>
-          </a:blip>
-          <a:stretch>
-            <a:fillRect/>
-          </a:stretch>
-        </p:blipFill>
-        <p:spPr>
-          <a:xfrm>
-            <a:off x="800269" y="2360203"/>
-            <a:ext cx="5511809" cy="3307086"/>
-          </a:xfrm>
-          <a:prstGeom prst="rect">
-            <a:avLst/>
-          </a:prstGeom>
-        </p:spPr>
-      </p:pic>
-      <p:sp>
-        <p:nvSpPr>
-          <p:cNvPr id="7" name="TextBox 6">
-            <a:extLst>
-              <a:ext uri="{FF2B5EF4-FFF2-40B4-BE49-F238E27FC236}">
-                <a16:creationId xmlns:a16="http://schemas.microsoft.com/office/drawing/2014/main" id="{1D79C8E6-A9DA-38CD-D1E8-AE6CCB18C771}"/>
-              </a:ext>
-            </a:extLst>
-          </p:cNvPr>
-          <p:cNvSpPr txBox="1"/>
-          <p:nvPr/>
-        </p:nvSpPr>
-        <p:spPr>
-          <a:xfrm>
-            <a:off x="6730998" y="3228916"/>
-            <a:ext cx="3784601" cy="1569660"/>
-          </a:xfrm>
-          <a:prstGeom prst="rect">
-            <a:avLst/>
-          </a:prstGeom>
-          <a:noFill/>
-        </p:spPr>
-        <p:txBody>
-          <a:bodyPr wrap="square">
-            <a:spAutoFit/>
-          </a:bodyPr>
-          <a:lstStyle/>
-          <a:p>
-            <a:r>
-              <a:rPr lang="es-ES" sz="1200" dirty="0">
-                <a:latin typeface="system-ui"/>
-              </a:rPr>
-              <a:t>S</a:t>
-            </a:r>
-            <a:r>
-              <a:rPr lang="es-ES" sz="1200" b="0" i="0" dirty="0">
-                <a:effectLst/>
-                <a:latin typeface="system-ui"/>
-              </a:rPr>
-              <a:t>e determinó que la cantidad ideal de clústeres para K-</a:t>
-            </a:r>
-            <a:r>
-              <a:rPr lang="es-ES" sz="1200" b="0" i="0" dirty="0" err="1">
-                <a:effectLst/>
-                <a:latin typeface="system-ui"/>
-              </a:rPr>
-              <a:t>Means</a:t>
-            </a:r>
-            <a:r>
-              <a:rPr lang="es-ES" sz="1200" b="0" i="0" dirty="0">
-                <a:effectLst/>
-                <a:latin typeface="system-ui"/>
-              </a:rPr>
-              <a:t> se encuentra entre 3 y 4. Aunque ambas opciones presentaban buenos resultados, se optó por utilizar 3 clústeres, ya que este número permite una segmentación más detallada de los datos. A continuación, se empleará esta configuración para crear los clústeres, generar visualizaciones de su distribución y utilizar gráficos de silueta para evaluar su efectividad.</a:t>
-            </a:r>
-            <a:endParaRPr lang="es-ES" sz="1200" dirty="0"/>
-          </a:p>
-        </p:txBody>
-      </p:sp>
-    </p:spTree>
-    <p:extLst>
-      <p:ext uri="{BB962C8B-B14F-4D97-AF65-F5344CB8AC3E}">
-        <p14:creationId xmlns:p14="http://schemas.microsoft.com/office/powerpoint/2010/main" val="3779330122"/>
-      </p:ext>
-    </p:extLst>
-  </p:cSld>
-  <p:clrMapOvr>
-    <a:masterClrMapping/>
-  </p:clrMapOvr>
-</p:sld>
-</file>
-
-<file path=ppt/slides/slide9.xml><?xml version="1.0" encoding="utf-8"?>
-<p:sld xmlns:a="http://schemas.openxmlformats.org/drawingml/2006/main" xmlns:r="http://schemas.openxmlformats.org/officeDocument/2006/relationships" xmlns:p="http://schemas.openxmlformats.org/presentationml/2006/main">
-  <p:cSld>
-    <p:spTree>
-      <p:nvGrpSpPr>
-        <p:cNvPr id="1" name=""/>
-        <p:cNvGrpSpPr/>
-        <p:nvPr/>
-      </p:nvGrpSpPr>
-      <p:grpSpPr>
-        <a:xfrm>
-          <a:off x="0" y="0"/>
-          <a:ext cx="0" cy="0"/>
-          <a:chOff x="0" y="0"/>
-          <a:chExt cx="0" cy="0"/>
-        </a:xfrm>
-      </p:grpSpPr>
-      <p:sp>
-        <p:nvSpPr>
-          <p:cNvPr id="2" name="Title 1">
-            <a:extLst>
-              <a:ext uri="{FF2B5EF4-FFF2-40B4-BE49-F238E27FC236}">
-                <a16:creationId xmlns:a16="http://schemas.microsoft.com/office/drawing/2014/main" id="{D531450F-68EB-370E-35DE-DC0102C71F3D}"/>
-              </a:ext>
-            </a:extLst>
-          </p:cNvPr>
-          <p:cNvSpPr>
-            <a:spLocks noGrp="1"/>
-          </p:cNvSpPr>
-          <p:nvPr>
-            <p:ph type="title"/>
-          </p:nvPr>
-        </p:nvSpPr>
-        <p:spPr/>
-        <p:txBody>
-          <a:bodyPr/>
-          <a:lstStyle/>
-          <a:p>
-            <a:r>
-              <a:rPr lang="es-ES" dirty="0"/>
-              <a:t>Preprocesamiento y Modelado de </a:t>
-            </a:r>
-            <a:r>
-              <a:rPr lang="es-ES" dirty="0" err="1"/>
-              <a:t>Clustering</a:t>
-            </a:r>
-            <a:r>
-              <a:rPr lang="es-ES" dirty="0"/>
-              <a:t> (DBSCAN)</a:t>
-            </a:r>
-          </a:p>
-        </p:txBody>
-      </p:sp>
-      <p:pic>
-        <p:nvPicPr>
-          <p:cNvPr id="5" name="Content Placeholder 4">
-            <a:extLst>
-              <a:ext uri="{FF2B5EF4-FFF2-40B4-BE49-F238E27FC236}">
-                <a16:creationId xmlns:a16="http://schemas.microsoft.com/office/drawing/2014/main" id="{B6F7C140-F88F-0ECE-27C7-0EFBED4204E0}"/>
-              </a:ext>
-            </a:extLst>
-          </p:cNvPr>
-          <p:cNvPicPr>
-            <a:picLocks noGrp="1" noChangeAspect="1"/>
-          </p:cNvPicPr>
-          <p:nvPr>
-            <p:ph idx="1"/>
-          </p:nvPr>
-        </p:nvPicPr>
-        <p:blipFill>
-          <a:blip r:embed="rId2">
-            <a:extLst>
-              <a:ext uri="{28A0092B-C50C-407E-A947-70E740481C1C}">
-                <a14:useLocalDpi xmlns:a14="http://schemas.microsoft.com/office/drawing/2010/main" val="0"/>
-              </a:ext>
-            </a:extLst>
-          </a:blip>
-          <a:stretch>
-            <a:fillRect/>
-          </a:stretch>
-        </p:blipFill>
-        <p:spPr>
-          <a:xfrm>
-            <a:off x="6307667" y="3857175"/>
-            <a:ext cx="4487333" cy="2692400"/>
-          </a:xfrm>
-        </p:spPr>
-      </p:pic>
-      <p:pic>
-        <p:nvPicPr>
-          <p:cNvPr id="7" name="Picture 6">
-            <a:extLst>
-              <a:ext uri="{FF2B5EF4-FFF2-40B4-BE49-F238E27FC236}">
-                <a16:creationId xmlns:a16="http://schemas.microsoft.com/office/drawing/2014/main" id="{E7EE7109-D955-BBFA-A040-DC2AE2550994}"/>
-              </a:ext>
-            </a:extLst>
-          </p:cNvPr>
-          <p:cNvPicPr>
-            <a:picLocks noChangeAspect="1"/>
-          </p:cNvPicPr>
-          <p:nvPr/>
-        </p:nvPicPr>
-        <p:blipFill>
-          <a:blip r:embed="rId3"/>
-          <a:stretch>
-            <a:fillRect/>
-          </a:stretch>
-        </p:blipFill>
-        <p:spPr>
-          <a:xfrm>
-            <a:off x="2160042" y="2300209"/>
-            <a:ext cx="5370879" cy="1556966"/>
-          </a:xfrm>
-          <a:prstGeom prst="rect">
-            <a:avLst/>
-          </a:prstGeom>
-        </p:spPr>
-      </p:pic>
-    </p:spTree>
-    <p:extLst>
-      <p:ext uri="{BB962C8B-B14F-4D97-AF65-F5344CB8AC3E}">
-        <p14:creationId xmlns:p14="http://schemas.microsoft.com/office/powerpoint/2010/main" val="2352588140"/>
       </p:ext>
     </p:extLst>
   </p:cSld>

--- a/Presentación técnica/Presentacion Tarea 3.pptx
+++ b/Presentación técnica/Presentacion Tarea 3.pptx
@@ -13581,10 +13581,10 @@
       </p:sp>
       <p:pic>
         <p:nvPicPr>
-          <p:cNvPr id="5" name="Picture 4">
+          <p:cNvPr id="4" name="Picture 3">
             <a:extLst>
               <a:ext uri="{FF2B5EF4-FFF2-40B4-BE49-F238E27FC236}">
-                <a16:creationId xmlns:a16="http://schemas.microsoft.com/office/drawing/2014/main" id="{7FC75CB5-48D1-857B-9E49-1DEAD43B61AC}"/>
+                <a16:creationId xmlns:a16="http://schemas.microsoft.com/office/drawing/2014/main" id="{0AEF415C-4145-D69E-F66D-408BFEBB28B3}"/>
               </a:ext>
             </a:extLst>
           </p:cNvPr>
@@ -13601,8 +13601,8 @@
         </p:blipFill>
         <p:spPr>
           <a:xfrm>
-            <a:off x="1266151" y="3091061"/>
-            <a:ext cx="9659698" cy="2314898"/>
+            <a:off x="1228045" y="3011843"/>
+            <a:ext cx="9735909" cy="2476846"/>
           </a:xfrm>
           <a:prstGeom prst="rect">
             <a:avLst/>

--- a/Presentación técnica/Presentacion Tarea 3.pptx
+++ b/Presentación técnica/Presentacion Tarea 3.pptx
@@ -12561,7 +12561,7 @@
         </p:nvSpPr>
         <p:spPr>
           <a:xfrm>
-            <a:off x="2231136" y="2834640"/>
+            <a:off x="2231136" y="1417248"/>
             <a:ext cx="7729728" cy="1188720"/>
           </a:xfrm>
         </p:spPr>
@@ -12574,6 +12574,101 @@
               <a:t>Gracias!</a:t>
             </a:r>
             <a:endParaRPr lang="es-ES" dirty="0"/>
+          </a:p>
+        </p:txBody>
+      </p:sp>
+      <p:sp>
+        <p:nvSpPr>
+          <p:cNvPr id="6" name="TextBox 5">
+            <a:extLst>
+              <a:ext uri="{FF2B5EF4-FFF2-40B4-BE49-F238E27FC236}">
+                <a16:creationId xmlns:a16="http://schemas.microsoft.com/office/drawing/2014/main" id="{80385440-C5DC-F7AD-DE26-10569018EC07}"/>
+              </a:ext>
+            </a:extLst>
+          </p:cNvPr>
+          <p:cNvSpPr txBox="1"/>
+          <p:nvPr/>
+        </p:nvSpPr>
+        <p:spPr>
+          <a:xfrm>
+            <a:off x="359832" y="4363534"/>
+            <a:ext cx="11641668" cy="1077218"/>
+          </a:xfrm>
+          <a:prstGeom prst="rect">
+            <a:avLst/>
+          </a:prstGeom>
+          <a:noFill/>
+        </p:spPr>
+        <p:txBody>
+          <a:bodyPr wrap="square">
+            <a:spAutoFit/>
+          </a:bodyPr>
+          <a:lstStyle/>
+          <a:p>
+            <a:r>
+              <a:rPr lang="en-US" sz="1600" b="1" dirty="0"/>
+              <a:t>Link </a:t>
+            </a:r>
+            <a:r>
+              <a:rPr lang="en-US" sz="1600" b="1" dirty="0" err="1"/>
+              <a:t>Diapositivas</a:t>
+            </a:r>
+            <a:r>
+              <a:rPr lang="en-US" sz="1600" b="1" dirty="0"/>
+              <a:t>: </a:t>
+            </a:r>
+            <a:r>
+              <a:rPr lang="en-US" sz="1600" b="1" dirty="0">
+                <a:hlinkClick r:id="rId2"/>
+              </a:rPr>
+              <a:t>https://docs.google.com/presentation/d/1OVkkPnO7M1RX9RnqtcDdVlekxcDUIeMl/edit?usp=sharing&amp;ouid=105746497042844411325&amp;rtpof=true&amp;sd=true</a:t>
+            </a:r>
+            <a:endParaRPr lang="en-US" sz="1600" b="1" dirty="0"/>
+          </a:p>
+          <a:p>
+            <a:endParaRPr lang="en-US" sz="1600" b="1" dirty="0"/>
+          </a:p>
+        </p:txBody>
+      </p:sp>
+      <p:sp>
+        <p:nvSpPr>
+          <p:cNvPr id="7" name="TextBox 6">
+            <a:extLst>
+              <a:ext uri="{FF2B5EF4-FFF2-40B4-BE49-F238E27FC236}">
+                <a16:creationId xmlns:a16="http://schemas.microsoft.com/office/drawing/2014/main" id="{A4D161EC-991D-7CAE-2541-79F773667C4A}"/>
+              </a:ext>
+            </a:extLst>
+          </p:cNvPr>
+          <p:cNvSpPr txBox="1"/>
+          <p:nvPr/>
+        </p:nvSpPr>
+        <p:spPr>
+          <a:xfrm>
+            <a:off x="359832" y="5242317"/>
+            <a:ext cx="11641668" cy="338554"/>
+          </a:xfrm>
+          <a:prstGeom prst="rect">
+            <a:avLst/>
+          </a:prstGeom>
+          <a:noFill/>
+        </p:spPr>
+        <p:txBody>
+          <a:bodyPr wrap="square">
+            <a:spAutoFit/>
+          </a:bodyPr>
+          <a:lstStyle/>
+          <a:p>
+            <a:r>
+              <a:rPr lang="es-EC" sz="1600" b="1" noProof="0" dirty="0"/>
+              <a:t>Link Video Presentación: </a:t>
+            </a:r>
+            <a:r>
+              <a:rPr lang="es-EC" sz="1600" b="1" noProof="0" dirty="0">
+                <a:hlinkClick r:id="rId3"/>
+              </a:rPr>
+              <a:t>https://drive.google.com/file/d/1CxYavUrC-Oxv8rdwEJcjzMq9boBdzCZw/view?usp=sharing</a:t>
+            </a:r>
+            <a:endParaRPr lang="en-US" sz="1600" b="1" dirty="0"/>
           </a:p>
         </p:txBody>
       </p:sp>
